--- a/[FastCampus] 3주차_강의자료_김경원박사.pptx
+++ b/[FastCampus] 3주차_강의자료_김경원박사.pptx
@@ -5,10 +5,10 @@
     <p:sldMasterId id="2147483648" r:id="rId1"/>
   </p:sldMasterIdLst>
   <p:notesMasterIdLst>
-    <p:notesMasterId r:id="rId34"/>
+    <p:notesMasterId r:id="rId36"/>
   </p:notesMasterIdLst>
   <p:handoutMasterIdLst>
-    <p:handoutMasterId r:id="rId35"/>
+    <p:handoutMasterId r:id="rId37"/>
   </p:handoutMasterIdLst>
   <p:sldIdLst>
     <p:sldId id="1063" r:id="rId2"/>
@@ -24,33 +24,35 @@
     <p:sldId id="1145" r:id="rId12"/>
     <p:sldId id="1146" r:id="rId13"/>
     <p:sldId id="1147" r:id="rId14"/>
-    <p:sldId id="1092" r:id="rId15"/>
-    <p:sldId id="1148" r:id="rId16"/>
-    <p:sldId id="1102" r:id="rId17"/>
-    <p:sldId id="1149" r:id="rId18"/>
-    <p:sldId id="1150" r:id="rId19"/>
-    <p:sldId id="1151" r:id="rId20"/>
-    <p:sldId id="1094" r:id="rId21"/>
-    <p:sldId id="1152" r:id="rId22"/>
-    <p:sldId id="1153" r:id="rId23"/>
-    <p:sldId id="1154" r:id="rId24"/>
-    <p:sldId id="1155" r:id="rId25"/>
-    <p:sldId id="1156" r:id="rId26"/>
-    <p:sldId id="1161" r:id="rId27"/>
-    <p:sldId id="1157" r:id="rId28"/>
-    <p:sldId id="1158" r:id="rId29"/>
-    <p:sldId id="1159" r:id="rId30"/>
-    <p:sldId id="1160" r:id="rId31"/>
-    <p:sldId id="1134" r:id="rId32"/>
-    <p:sldId id="1062" r:id="rId33"/>
+    <p:sldId id="1162" r:id="rId15"/>
+    <p:sldId id="1163" r:id="rId16"/>
+    <p:sldId id="1092" r:id="rId17"/>
+    <p:sldId id="1148" r:id="rId18"/>
+    <p:sldId id="1102" r:id="rId19"/>
+    <p:sldId id="1149" r:id="rId20"/>
+    <p:sldId id="1150" r:id="rId21"/>
+    <p:sldId id="1151" r:id="rId22"/>
+    <p:sldId id="1094" r:id="rId23"/>
+    <p:sldId id="1152" r:id="rId24"/>
+    <p:sldId id="1153" r:id="rId25"/>
+    <p:sldId id="1154" r:id="rId26"/>
+    <p:sldId id="1155" r:id="rId27"/>
+    <p:sldId id="1156" r:id="rId28"/>
+    <p:sldId id="1161" r:id="rId29"/>
+    <p:sldId id="1157" r:id="rId30"/>
+    <p:sldId id="1158" r:id="rId31"/>
+    <p:sldId id="1159" r:id="rId32"/>
+    <p:sldId id="1160" r:id="rId33"/>
+    <p:sldId id="1134" r:id="rId34"/>
+    <p:sldId id="1062" r:id="rId35"/>
   </p:sldIdLst>
   <p:sldSz cx="12160250" cy="6840538"/>
   <p:notesSz cx="9874250" cy="6797675"/>
   <p:embeddedFontLst>
     <p:embeddedFont>
       <p:font typeface="맑은 고딕" panose="020B0503020000020004" pitchFamily="50" charset="-127"/>
-      <p:regular r:id="rId36"/>
-      <p:bold r:id="rId37"/>
+      <p:regular r:id="rId38"/>
+      <p:bold r:id="rId39"/>
     </p:embeddedFont>
   </p:embeddedFontLst>
   <p:defaultTextStyle>
@@ -263,7 +265,7 @@
           <a:p>
             <a:fld id="{FC718EE8-BF93-4A17-BED5-FC99EECA5FC7}" type="datetimeFigureOut">
               <a:rPr lang="ko-KR" altLang="en-US" smtClean="0"/>
-              <a:t>2020-01-04</a:t>
+              <a:t>2020-06-08</a:t>
             </a:fld>
             <a:endParaRPr lang="ko-KR" altLang="en-US"/>
           </a:p>
@@ -428,7 +430,7 @@
           <a:p>
             <a:fld id="{6101F873-BA02-446B-9127-C4DE4310B943}" type="datetimeFigureOut">
               <a:rPr lang="ko-KR" altLang="en-US" smtClean="0"/>
-              <a:t>2020-01-04</a:t>
+              <a:t>2020-06-08</a:t>
             </a:fld>
             <a:endParaRPr lang="ko-KR" altLang="en-US"/>
           </a:p>
@@ -1018,7 +1020,7 @@
           <a:p>
             <a:fld id="{89B5E594-86C5-4F1D-8812-38DF40064943}" type="datetime1">
               <a:rPr lang="ko-KR" altLang="en-US" smtClean="0"/>
-              <a:t>2020-01-04</a:t>
+              <a:t>2020-06-08</a:t>
             </a:fld>
             <a:endParaRPr lang="ko-KR" altLang="en-US"/>
           </a:p>
@@ -1226,7 +1228,7 @@
           <a:p>
             <a:fld id="{05C0B17C-522D-4CD8-8139-01EDEBAB2AF6}" type="datetime1">
               <a:rPr lang="ko-KR" altLang="en-US" smtClean="0"/>
-              <a:t>2020-01-04</a:t>
+              <a:t>2020-06-08</a:t>
             </a:fld>
             <a:endParaRPr lang="ko-KR" altLang="en-US"/>
           </a:p>
@@ -1404,7 +1406,7 @@
           <a:p>
             <a:fld id="{7345261C-38F3-40E7-AAA6-CE27B727AA65}" type="datetime1">
               <a:rPr lang="ko-KR" altLang="en-US" smtClean="0"/>
-              <a:t>2020-01-04</a:t>
+              <a:t>2020-06-08</a:t>
             </a:fld>
             <a:endParaRPr lang="ko-KR" altLang="en-US"/>
           </a:p>
@@ -1572,7 +1574,7 @@
           <a:p>
             <a:fld id="{A8472951-AD8C-47B8-8787-30E2F4BFA1EA}" type="datetime1">
               <a:rPr lang="ko-KR" altLang="en-US" smtClean="0"/>
-              <a:t>2020-01-04</a:t>
+              <a:t>2020-06-08</a:t>
             </a:fld>
             <a:endParaRPr lang="ko-KR" altLang="en-US"/>
           </a:p>
@@ -1827,7 +1829,7 @@
           <a:p>
             <a:fld id="{8BCB1BBF-13D1-46E6-8B8B-C9F26A0BAD91}" type="datetime1">
               <a:rPr lang="ko-KR" altLang="en-US" smtClean="0"/>
-              <a:t>2020-01-04</a:t>
+              <a:t>2020-06-08</a:t>
             </a:fld>
             <a:endParaRPr lang="ko-KR" altLang="en-US"/>
           </a:p>
@@ -2112,7 +2114,7 @@
           <a:p>
             <a:fld id="{B16FDC3D-FD6A-49DF-B101-11717D57279F}" type="datetime1">
               <a:rPr lang="ko-KR" altLang="en-US" smtClean="0"/>
-              <a:t>2020-01-04</a:t>
+              <a:t>2020-06-08</a:t>
             </a:fld>
             <a:endParaRPr lang="ko-KR" altLang="en-US"/>
           </a:p>
@@ -2531,7 +2533,7 @@
           <a:p>
             <a:fld id="{42D411A2-FD90-4A19-98A8-25197A66BC26}" type="datetime1">
               <a:rPr lang="ko-KR" altLang="en-US" smtClean="0"/>
-              <a:t>2020-01-04</a:t>
+              <a:t>2020-06-08</a:t>
             </a:fld>
             <a:endParaRPr lang="ko-KR" altLang="en-US"/>
           </a:p>
@@ -2648,7 +2650,7 @@
           <a:p>
             <a:fld id="{F6E6B532-6471-449A-9A2F-4428556C2F98}" type="datetime1">
               <a:rPr lang="ko-KR" altLang="en-US" smtClean="0"/>
-              <a:t>2020-01-04</a:t>
+              <a:t>2020-06-08</a:t>
             </a:fld>
             <a:endParaRPr lang="ko-KR" altLang="en-US"/>
           </a:p>
@@ -2743,7 +2745,7 @@
           <a:p>
             <a:fld id="{45A9E13B-856D-4562-A86D-A2B6F7BF810F}" type="datetime1">
               <a:rPr lang="ko-KR" altLang="en-US" smtClean="0"/>
-              <a:t>2020-01-04</a:t>
+              <a:t>2020-06-08</a:t>
             </a:fld>
             <a:endParaRPr lang="ko-KR" altLang="en-US"/>
           </a:p>
@@ -3018,7 +3020,7 @@
           <a:p>
             <a:fld id="{A672FB3A-7E9E-4380-9381-6FCA87FBB41A}" type="datetime1">
               <a:rPr lang="ko-KR" altLang="en-US" smtClean="0"/>
-              <a:t>2020-01-04</a:t>
+              <a:t>2020-06-08</a:t>
             </a:fld>
             <a:endParaRPr lang="ko-KR" altLang="en-US"/>
           </a:p>
@@ -3270,7 +3272,7 @@
           <a:p>
             <a:fld id="{3948CCBA-1514-4E9E-888A-807450F810B0}" type="datetime1">
               <a:rPr lang="ko-KR" altLang="en-US" smtClean="0"/>
-              <a:t>2020-01-04</a:t>
+              <a:t>2020-06-08</a:t>
             </a:fld>
             <a:endParaRPr lang="ko-KR" altLang="en-US"/>
           </a:p>
@@ -3483,7 +3485,7 @@
           <a:p>
             <a:fld id="{170EDEE7-370E-499F-B978-ABF387098974}" type="datetime1">
               <a:rPr lang="ko-KR" altLang="en-US" smtClean="0"/>
-              <a:t>2020-01-04</a:t>
+              <a:t>2020-06-08</a:t>
             </a:fld>
             <a:endParaRPr lang="ko-KR" altLang="en-US" dirty="0"/>
           </a:p>
@@ -4835,10 +4837,10 @@
       </p:sp>
       <p:pic>
         <p:nvPicPr>
-          <p:cNvPr id="2" name="그림 1">
+          <p:cNvPr id="4" name="그림 3">
             <a:extLst>
               <a:ext uri="{FF2B5EF4-FFF2-40B4-BE49-F238E27FC236}">
-                <a16:creationId xmlns:a16="http://schemas.microsoft.com/office/drawing/2014/main" id="{BF929780-24F7-427A-9794-1F03F10FE235}"/>
+                <a16:creationId xmlns:a16="http://schemas.microsoft.com/office/drawing/2014/main" id="{6B7218E0-AFE7-4819-B39A-D6F9249C9210}"/>
               </a:ext>
             </a:extLst>
           </p:cNvPr>
@@ -4855,8 +4857,8 @@
         </p:blipFill>
         <p:spPr>
           <a:xfrm>
-            <a:off x="5126112" y="2444"/>
-            <a:ext cx="7034138" cy="6840538"/>
+            <a:off x="4416171" y="1077119"/>
+            <a:ext cx="7581900" cy="4686300"/>
           </a:xfrm>
           <a:prstGeom prst="rect">
             <a:avLst/>
@@ -4895,7 +4897,37 @@
       </p:grpSpPr>
       <p:sp>
         <p:nvSpPr>
-          <p:cNvPr id="5" name="제목 4"/>
+          <p:cNvPr id="3" name="슬라이드 번호 개체 틀 2"/>
+          <p:cNvSpPr>
+            <a:spLocks noGrp="1"/>
+          </p:cNvSpPr>
+          <p:nvPr>
+            <p:ph type="sldNum" sz="quarter" idx="12"/>
+          </p:nvPr>
+        </p:nvSpPr>
+        <p:spPr/>
+        <p:txBody>
+          <a:bodyPr/>
+          <a:lstStyle/>
+          <a:p>
+            <a:fld id="{6DDAE2C3-1A0B-474A-8CE8-AE55B8D9D4B1}" type="slidenum">
+              <a:rPr lang="ko-KR" altLang="en-US" smtClean="0"/>
+              <a:pPr/>
+              <a:t>14</a:t>
+            </a:fld>
+            <a:endParaRPr lang="ko-KR" altLang="en-US" dirty="0"/>
+          </a:p>
+        </p:txBody>
+      </p:sp>
+      <p:sp>
+        <p:nvSpPr>
+          <p:cNvPr id="8" name="제목 4">
+            <a:extLst>
+              <a:ext uri="{FF2B5EF4-FFF2-40B4-BE49-F238E27FC236}">
+                <a16:creationId xmlns:a16="http://schemas.microsoft.com/office/drawing/2014/main" id="{8FE32074-AF17-44A3-B3EB-DC631A3C934F}"/>
+              </a:ext>
+            </a:extLst>
+          </p:cNvPr>
           <p:cNvSpPr>
             <a:spLocks noGrp="1"/>
           </p:cNvSpPr>
@@ -4905,13 +4937,13 @@
         </p:nvSpPr>
         <p:spPr>
           <a:xfrm>
-            <a:off x="608012" y="539949"/>
-            <a:ext cx="10944225" cy="1140090"/>
+            <a:off x="608012" y="1188021"/>
+            <a:ext cx="10944225" cy="2016224"/>
           </a:xfrm>
         </p:spPr>
         <p:txBody>
           <a:bodyPr>
-            <a:normAutofit/>
+            <a:normAutofit fontScale="90000"/>
           </a:bodyPr>
           <a:lstStyle/>
           <a:p>
@@ -4955,6 +4987,18 @@
               </a:rPr>
               <a:t> </a:t>
             </a:r>
+            <a:br>
+              <a:rPr lang="en-US" altLang="ko-KR" sz="4400" dirty="0">
+                <a:solidFill>
+                  <a:schemeClr val="tx1">
+                    <a:lumMod val="75000"/>
+                    <a:lumOff val="25000"/>
+                  </a:schemeClr>
+                </a:solidFill>
+                <a:latin typeface="Noto Sans CJK KR Black" pitchFamily="34" charset="-127"/>
+                <a:ea typeface="Noto Sans CJK KR Black" pitchFamily="34" charset="-127"/>
+              </a:rPr>
+            </a:br>
             <a:r>
               <a:rPr lang="ko-KR" altLang="en-US" sz="4400" dirty="0">
                 <a:solidFill>
@@ -4966,9 +5010,9 @@
                 <a:latin typeface="Noto Sans CJK KR Black" pitchFamily="34" charset="-127"/>
                 <a:ea typeface="Noto Sans CJK KR Black" pitchFamily="34" charset="-127"/>
               </a:rPr>
-              <a:t>데이터</a:t>
-            </a:r>
-            <a:r>
+              <a:t>데이터 </a:t>
+            </a:r>
+            <a:br>
               <a:rPr lang="en-US" altLang="ko-KR" sz="4400" dirty="0">
                 <a:solidFill>
                   <a:schemeClr val="tx1">
@@ -4979,8 +5023,7 @@
                 <a:latin typeface="Noto Sans CJK KR Black" pitchFamily="34" charset="-127"/>
                 <a:ea typeface="Noto Sans CJK KR Black" pitchFamily="34" charset="-127"/>
               </a:rPr>
-              <a:t>/</a:t>
-            </a:r>
+            </a:br>
             <a:r>
               <a:rPr lang="ko-KR" altLang="en-US" sz="4400" dirty="0">
                 <a:solidFill>
@@ -4992,7 +5035,57 @@
                 <a:latin typeface="Noto Sans CJK KR Black" pitchFamily="34" charset="-127"/>
                 <a:ea typeface="Noto Sans CJK KR Black" pitchFamily="34" charset="-127"/>
               </a:rPr>
-              <a:t>분석과 기계학습의 차이</a:t>
+              <a:t>분석과 </a:t>
+            </a:r>
+            <a:br>
+              <a:rPr lang="en-US" altLang="ko-KR" sz="4400" dirty="0">
+                <a:solidFill>
+                  <a:schemeClr val="tx1">
+                    <a:lumMod val="75000"/>
+                    <a:lumOff val="25000"/>
+                  </a:schemeClr>
+                </a:solidFill>
+                <a:latin typeface="Noto Sans CJK KR Black" pitchFamily="34" charset="-127"/>
+                <a:ea typeface="Noto Sans CJK KR Black" pitchFamily="34" charset="-127"/>
+              </a:rPr>
+            </a:br>
+            <a:r>
+              <a:rPr lang="ko-KR" altLang="en-US" sz="4400" dirty="0">
+                <a:solidFill>
+                  <a:schemeClr val="tx1">
+                    <a:lumMod val="75000"/>
+                    <a:lumOff val="25000"/>
+                  </a:schemeClr>
+                </a:solidFill>
+                <a:latin typeface="Noto Sans CJK KR Black" pitchFamily="34" charset="-127"/>
+                <a:ea typeface="Noto Sans CJK KR Black" pitchFamily="34" charset="-127"/>
+              </a:rPr>
+              <a:t>기계학습</a:t>
+            </a:r>
+            <a:br>
+              <a:rPr lang="en-US" altLang="ko-KR" sz="4400" dirty="0">
+                <a:solidFill>
+                  <a:schemeClr val="tx1">
+                    <a:lumMod val="75000"/>
+                    <a:lumOff val="25000"/>
+                  </a:schemeClr>
+                </a:solidFill>
+                <a:latin typeface="Noto Sans CJK KR Black" pitchFamily="34" charset="-127"/>
+                <a:ea typeface="Noto Sans CJK KR Black" pitchFamily="34" charset="-127"/>
+              </a:rPr>
+            </a:br>
+            <a:r>
+              <a:rPr lang="ko-KR" altLang="en-US" sz="4400" dirty="0">
+                <a:solidFill>
+                  <a:schemeClr val="tx1">
+                    <a:lumMod val="75000"/>
+                    <a:lumOff val="25000"/>
+                  </a:schemeClr>
+                </a:solidFill>
+                <a:latin typeface="Noto Sans CJK KR Black" pitchFamily="34" charset="-127"/>
+                <a:ea typeface="Noto Sans CJK KR Black" pitchFamily="34" charset="-127"/>
+              </a:rPr>
+              <a:t>의 차이</a:t>
             </a:r>
             <a:endParaRPr lang="ko-KR" altLang="en-US" sz="4400" dirty="0">
               <a:solidFill>
@@ -5005,6 +5098,66 @@
           </a:p>
         </p:txBody>
       </p:sp>
+      <p:pic>
+        <p:nvPicPr>
+          <p:cNvPr id="4" name="그림 3">
+            <a:extLst>
+              <a:ext uri="{FF2B5EF4-FFF2-40B4-BE49-F238E27FC236}">
+                <a16:creationId xmlns:a16="http://schemas.microsoft.com/office/drawing/2014/main" id="{B36477F7-D7D3-47A4-9B62-262592A96ABF}"/>
+              </a:ext>
+            </a:extLst>
+          </p:cNvPr>
+          <p:cNvPicPr>
+            <a:picLocks noChangeAspect="1"/>
+          </p:cNvPicPr>
+          <p:nvPr/>
+        </p:nvPicPr>
+        <p:blipFill>
+          <a:blip r:embed="rId2"/>
+          <a:stretch>
+            <a:fillRect/>
+          </a:stretch>
+        </p:blipFill>
+        <p:spPr>
+          <a:xfrm>
+            <a:off x="3137436" y="1001155"/>
+            <a:ext cx="9000000" cy="5839383"/>
+          </a:xfrm>
+          <a:prstGeom prst="rect">
+            <a:avLst/>
+          </a:prstGeom>
+        </p:spPr>
+      </p:pic>
+    </p:spTree>
+    <p:extLst>
+      <p:ext uri="{BB962C8B-B14F-4D97-AF65-F5344CB8AC3E}">
+        <p14:creationId xmlns:p14="http://schemas.microsoft.com/office/powerpoint/2010/main" val="154466112"/>
+      </p:ext>
+    </p:extLst>
+  </p:cSld>
+  <p:clrMapOvr>
+    <a:masterClrMapping/>
+  </p:clrMapOvr>
+</p:sld>
+</file>
+
+<file path=ppt/slides/slide15.xml><?xml version="1.0" encoding="utf-8"?>
+<p:sld xmlns:a="http://schemas.openxmlformats.org/drawingml/2006/main" xmlns:r="http://schemas.openxmlformats.org/officeDocument/2006/relationships" xmlns:p="http://schemas.openxmlformats.org/presentationml/2006/main">
+  <p:cSld>
+    <p:spTree>
+      <p:nvGrpSpPr>
+        <p:cNvPr id="1" name=""/>
+        <p:cNvGrpSpPr/>
+        <p:nvPr/>
+      </p:nvGrpSpPr>
+      <p:grpSpPr>
+        <a:xfrm>
+          <a:off x="0" y="0"/>
+          <a:ext cx="0" cy="0"/>
+          <a:chOff x="0" y="0"/>
+          <a:chExt cx="0" cy="0"/>
+        </a:xfrm>
+      </p:grpSpPr>
       <p:sp>
         <p:nvSpPr>
           <p:cNvPr id="3" name="슬라이드 번호 개체 틀 2"/>
@@ -5023,7 +5176,382 @@
             <a:fld id="{6DDAE2C3-1A0B-474A-8CE8-AE55B8D9D4B1}" type="slidenum">
               <a:rPr lang="ko-KR" altLang="en-US" smtClean="0"/>
               <a:pPr/>
-              <a:t>14</a:t>
+              <a:t>15</a:t>
+            </a:fld>
+            <a:endParaRPr lang="ko-KR" altLang="en-US" dirty="0"/>
+          </a:p>
+        </p:txBody>
+      </p:sp>
+      <p:pic>
+        <p:nvPicPr>
+          <p:cNvPr id="4" name="그림 3">
+            <a:extLst>
+              <a:ext uri="{FF2B5EF4-FFF2-40B4-BE49-F238E27FC236}">
+                <a16:creationId xmlns:a16="http://schemas.microsoft.com/office/drawing/2014/main" id="{1C362FA0-BC58-419E-8351-1211EE7F4EE8}"/>
+              </a:ext>
+            </a:extLst>
+          </p:cNvPr>
+          <p:cNvPicPr>
+            <a:picLocks noChangeAspect="1"/>
+          </p:cNvPicPr>
+          <p:nvPr/>
+        </p:nvPicPr>
+        <p:blipFill>
+          <a:blip r:embed="rId2"/>
+          <a:stretch>
+            <a:fillRect/>
+          </a:stretch>
+        </p:blipFill>
+        <p:spPr>
+          <a:xfrm>
+            <a:off x="3160250" y="626566"/>
+            <a:ext cx="9000000" cy="6222021"/>
+          </a:xfrm>
+          <a:prstGeom prst="rect">
+            <a:avLst/>
+          </a:prstGeom>
+        </p:spPr>
+      </p:pic>
+      <p:sp>
+        <p:nvSpPr>
+          <p:cNvPr id="10" name="제목 4">
+            <a:extLst>
+              <a:ext uri="{FF2B5EF4-FFF2-40B4-BE49-F238E27FC236}">
+                <a16:creationId xmlns:a16="http://schemas.microsoft.com/office/drawing/2014/main" id="{E32E6268-00B0-42AD-A180-84F9B31D4453}"/>
+              </a:ext>
+            </a:extLst>
+          </p:cNvPr>
+          <p:cNvSpPr>
+            <a:spLocks noGrp="1"/>
+          </p:cNvSpPr>
+          <p:nvPr>
+            <p:ph type="title"/>
+          </p:nvPr>
+        </p:nvSpPr>
+        <p:spPr>
+          <a:xfrm>
+            <a:off x="608012" y="1188021"/>
+            <a:ext cx="10944225" cy="2016224"/>
+          </a:xfrm>
+        </p:spPr>
+        <p:txBody>
+          <a:bodyPr>
+            <a:normAutofit fontScale="90000"/>
+          </a:bodyPr>
+          <a:lstStyle/>
+          <a:p>
+            <a:pPr algn="l"/>
+            <a:r>
+              <a:rPr lang="en-US" altLang="ko-KR" sz="4400" dirty="0">
+                <a:solidFill>
+                  <a:schemeClr val="tx1">
+                    <a:lumMod val="75000"/>
+                    <a:lumOff val="25000"/>
+                  </a:schemeClr>
+                </a:solidFill>
+                <a:latin typeface="Noto Sans CJK KR Black" pitchFamily="34" charset="-127"/>
+                <a:ea typeface="Noto Sans CJK KR Black" pitchFamily="34" charset="-127"/>
+              </a:rPr>
+              <a:t>2. </a:t>
+            </a:r>
+            <a:r>
+              <a:rPr lang="ko-KR" altLang="en-US" sz="4400" dirty="0">
+                <a:solidFill>
+                  <a:schemeClr val="tx1">
+                    <a:lumMod val="75000"/>
+                    <a:lumOff val="25000"/>
+                  </a:schemeClr>
+                </a:solidFill>
+                <a:latin typeface="Noto Sans CJK KR Black" pitchFamily="34" charset="-127"/>
+                <a:ea typeface="Noto Sans CJK KR Black" pitchFamily="34" charset="-127"/>
+              </a:rPr>
+              <a:t>시계열</a:t>
+            </a:r>
+            <a:r>
+              <a:rPr lang="en-US" altLang="ko-KR" sz="4400" dirty="0">
+                <a:solidFill>
+                  <a:schemeClr val="tx1">
+                    <a:lumMod val="75000"/>
+                    <a:lumOff val="25000"/>
+                  </a:schemeClr>
+                </a:solidFill>
+                <a:latin typeface="Noto Sans CJK KR Black" pitchFamily="34" charset="-127"/>
+                <a:ea typeface="Noto Sans CJK KR Black" pitchFamily="34" charset="-127"/>
+              </a:rPr>
+              <a:t> </a:t>
+            </a:r>
+            <a:br>
+              <a:rPr lang="en-US" altLang="ko-KR" sz="4400" dirty="0">
+                <a:solidFill>
+                  <a:schemeClr val="tx1">
+                    <a:lumMod val="75000"/>
+                    <a:lumOff val="25000"/>
+                  </a:schemeClr>
+                </a:solidFill>
+                <a:latin typeface="Noto Sans CJK KR Black" pitchFamily="34" charset="-127"/>
+                <a:ea typeface="Noto Sans CJK KR Black" pitchFamily="34" charset="-127"/>
+              </a:rPr>
+            </a:br>
+            <a:r>
+              <a:rPr lang="ko-KR" altLang="en-US" sz="4400" dirty="0">
+                <a:solidFill>
+                  <a:schemeClr val="tx1">
+                    <a:lumMod val="75000"/>
+                    <a:lumOff val="25000"/>
+                  </a:schemeClr>
+                </a:solidFill>
+                <a:latin typeface="Noto Sans CJK KR Black" pitchFamily="34" charset="-127"/>
+                <a:ea typeface="Noto Sans CJK KR Black" pitchFamily="34" charset="-127"/>
+              </a:rPr>
+              <a:t>데이터 </a:t>
+            </a:r>
+            <a:br>
+              <a:rPr lang="en-US" altLang="ko-KR" sz="4400" dirty="0">
+                <a:solidFill>
+                  <a:schemeClr val="tx1">
+                    <a:lumMod val="75000"/>
+                    <a:lumOff val="25000"/>
+                  </a:schemeClr>
+                </a:solidFill>
+                <a:latin typeface="Noto Sans CJK KR Black" pitchFamily="34" charset="-127"/>
+                <a:ea typeface="Noto Sans CJK KR Black" pitchFamily="34" charset="-127"/>
+              </a:rPr>
+            </a:br>
+            <a:r>
+              <a:rPr lang="ko-KR" altLang="en-US" sz="4400" dirty="0">
+                <a:solidFill>
+                  <a:schemeClr val="tx1">
+                    <a:lumMod val="75000"/>
+                    <a:lumOff val="25000"/>
+                  </a:schemeClr>
+                </a:solidFill>
+                <a:latin typeface="Noto Sans CJK KR Black" pitchFamily="34" charset="-127"/>
+                <a:ea typeface="Noto Sans CJK KR Black" pitchFamily="34" charset="-127"/>
+              </a:rPr>
+              <a:t>분석과 </a:t>
+            </a:r>
+            <a:br>
+              <a:rPr lang="en-US" altLang="ko-KR" sz="4400" dirty="0">
+                <a:solidFill>
+                  <a:schemeClr val="tx1">
+                    <a:lumMod val="75000"/>
+                    <a:lumOff val="25000"/>
+                  </a:schemeClr>
+                </a:solidFill>
+                <a:latin typeface="Noto Sans CJK KR Black" pitchFamily="34" charset="-127"/>
+                <a:ea typeface="Noto Sans CJK KR Black" pitchFamily="34" charset="-127"/>
+              </a:rPr>
+            </a:br>
+            <a:r>
+              <a:rPr lang="ko-KR" altLang="en-US" sz="4400" dirty="0">
+                <a:solidFill>
+                  <a:schemeClr val="tx1">
+                    <a:lumMod val="75000"/>
+                    <a:lumOff val="25000"/>
+                  </a:schemeClr>
+                </a:solidFill>
+                <a:latin typeface="Noto Sans CJK KR Black" pitchFamily="34" charset="-127"/>
+                <a:ea typeface="Noto Sans CJK KR Black" pitchFamily="34" charset="-127"/>
+              </a:rPr>
+              <a:t>기계학습</a:t>
+            </a:r>
+            <a:br>
+              <a:rPr lang="en-US" altLang="ko-KR" sz="4400" dirty="0">
+                <a:solidFill>
+                  <a:schemeClr val="tx1">
+                    <a:lumMod val="75000"/>
+                    <a:lumOff val="25000"/>
+                  </a:schemeClr>
+                </a:solidFill>
+                <a:latin typeface="Noto Sans CJK KR Black" pitchFamily="34" charset="-127"/>
+                <a:ea typeface="Noto Sans CJK KR Black" pitchFamily="34" charset="-127"/>
+              </a:rPr>
+            </a:br>
+            <a:r>
+              <a:rPr lang="ko-KR" altLang="en-US" sz="4400" dirty="0">
+                <a:solidFill>
+                  <a:schemeClr val="tx1">
+                    <a:lumMod val="75000"/>
+                    <a:lumOff val="25000"/>
+                  </a:schemeClr>
+                </a:solidFill>
+                <a:latin typeface="Noto Sans CJK KR Black" pitchFamily="34" charset="-127"/>
+                <a:ea typeface="Noto Sans CJK KR Black" pitchFamily="34" charset="-127"/>
+              </a:rPr>
+              <a:t>의 차이</a:t>
+            </a:r>
+            <a:endParaRPr lang="ko-KR" altLang="en-US" sz="4400" dirty="0">
+              <a:solidFill>
+                <a:schemeClr val="tx1">
+                  <a:lumMod val="75000"/>
+                  <a:lumOff val="25000"/>
+                </a:schemeClr>
+              </a:solidFill>
+            </a:endParaRPr>
+          </a:p>
+        </p:txBody>
+      </p:sp>
+    </p:spTree>
+    <p:extLst>
+      <p:ext uri="{BB962C8B-B14F-4D97-AF65-F5344CB8AC3E}">
+        <p14:creationId xmlns:p14="http://schemas.microsoft.com/office/powerpoint/2010/main" val="3976405539"/>
+      </p:ext>
+    </p:extLst>
+  </p:cSld>
+  <p:clrMapOvr>
+    <a:masterClrMapping/>
+  </p:clrMapOvr>
+</p:sld>
+</file>
+
+<file path=ppt/slides/slide16.xml><?xml version="1.0" encoding="utf-8"?>
+<p:sld xmlns:a="http://schemas.openxmlformats.org/drawingml/2006/main" xmlns:r="http://schemas.openxmlformats.org/officeDocument/2006/relationships" xmlns:p="http://schemas.openxmlformats.org/presentationml/2006/main">
+  <p:cSld>
+    <p:spTree>
+      <p:nvGrpSpPr>
+        <p:cNvPr id="1" name=""/>
+        <p:cNvGrpSpPr/>
+        <p:nvPr/>
+      </p:nvGrpSpPr>
+      <p:grpSpPr>
+        <a:xfrm>
+          <a:off x="0" y="0"/>
+          <a:ext cx="0" cy="0"/>
+          <a:chOff x="0" y="0"/>
+          <a:chExt cx="0" cy="0"/>
+        </a:xfrm>
+      </p:grpSpPr>
+      <p:sp>
+        <p:nvSpPr>
+          <p:cNvPr id="5" name="제목 4"/>
+          <p:cNvSpPr>
+            <a:spLocks noGrp="1"/>
+          </p:cNvSpPr>
+          <p:nvPr>
+            <p:ph type="title"/>
+          </p:nvPr>
+        </p:nvSpPr>
+        <p:spPr>
+          <a:xfrm>
+            <a:off x="608012" y="539949"/>
+            <a:ext cx="10944225" cy="1140090"/>
+          </a:xfrm>
+        </p:spPr>
+        <p:txBody>
+          <a:bodyPr>
+            <a:normAutofit/>
+          </a:bodyPr>
+          <a:lstStyle/>
+          <a:p>
+            <a:pPr algn="l"/>
+            <a:r>
+              <a:rPr lang="en-US" altLang="ko-KR" sz="4400" dirty="0">
+                <a:solidFill>
+                  <a:schemeClr val="tx1">
+                    <a:lumMod val="75000"/>
+                    <a:lumOff val="25000"/>
+                  </a:schemeClr>
+                </a:solidFill>
+                <a:latin typeface="Noto Sans CJK KR Black" pitchFamily="34" charset="-127"/>
+                <a:ea typeface="Noto Sans CJK KR Black" pitchFamily="34" charset="-127"/>
+              </a:rPr>
+              <a:t>2. </a:t>
+            </a:r>
+            <a:r>
+              <a:rPr lang="ko-KR" altLang="en-US" sz="4400" dirty="0">
+                <a:solidFill>
+                  <a:schemeClr val="tx1">
+                    <a:lumMod val="75000"/>
+                    <a:lumOff val="25000"/>
+                  </a:schemeClr>
+                </a:solidFill>
+                <a:latin typeface="Noto Sans CJK KR Black" pitchFamily="34" charset="-127"/>
+                <a:ea typeface="Noto Sans CJK KR Black" pitchFamily="34" charset="-127"/>
+              </a:rPr>
+              <a:t>시계열</a:t>
+            </a:r>
+            <a:r>
+              <a:rPr lang="en-US" altLang="ko-KR" sz="4400" dirty="0">
+                <a:solidFill>
+                  <a:schemeClr val="tx1">
+                    <a:lumMod val="75000"/>
+                    <a:lumOff val="25000"/>
+                  </a:schemeClr>
+                </a:solidFill>
+                <a:latin typeface="Noto Sans CJK KR Black" pitchFamily="34" charset="-127"/>
+                <a:ea typeface="Noto Sans CJK KR Black" pitchFamily="34" charset="-127"/>
+              </a:rPr>
+              <a:t> </a:t>
+            </a:r>
+            <a:r>
+              <a:rPr lang="ko-KR" altLang="en-US" sz="4400" dirty="0">
+                <a:solidFill>
+                  <a:schemeClr val="tx1">
+                    <a:lumMod val="75000"/>
+                    <a:lumOff val="25000"/>
+                  </a:schemeClr>
+                </a:solidFill>
+                <a:latin typeface="Noto Sans CJK KR Black" pitchFamily="34" charset="-127"/>
+                <a:ea typeface="Noto Sans CJK KR Black" pitchFamily="34" charset="-127"/>
+              </a:rPr>
+              <a:t>데이터</a:t>
+            </a:r>
+            <a:r>
+              <a:rPr lang="en-US" altLang="ko-KR" sz="4400" dirty="0">
+                <a:solidFill>
+                  <a:schemeClr val="tx1">
+                    <a:lumMod val="75000"/>
+                    <a:lumOff val="25000"/>
+                  </a:schemeClr>
+                </a:solidFill>
+                <a:latin typeface="Noto Sans CJK KR Black" pitchFamily="34" charset="-127"/>
+                <a:ea typeface="Noto Sans CJK KR Black" pitchFamily="34" charset="-127"/>
+              </a:rPr>
+              <a:t>/</a:t>
+            </a:r>
+            <a:r>
+              <a:rPr lang="ko-KR" altLang="en-US" sz="4400" dirty="0">
+                <a:solidFill>
+                  <a:schemeClr val="tx1">
+                    <a:lumMod val="75000"/>
+                    <a:lumOff val="25000"/>
+                  </a:schemeClr>
+                </a:solidFill>
+                <a:latin typeface="Noto Sans CJK KR Black" pitchFamily="34" charset="-127"/>
+                <a:ea typeface="Noto Sans CJK KR Black" pitchFamily="34" charset="-127"/>
+              </a:rPr>
+              <a:t>분석과 기계학습의 차이</a:t>
+            </a:r>
+            <a:endParaRPr lang="ko-KR" altLang="en-US" sz="4400" dirty="0">
+              <a:solidFill>
+                <a:schemeClr val="tx1">
+                  <a:lumMod val="75000"/>
+                  <a:lumOff val="25000"/>
+                </a:schemeClr>
+              </a:solidFill>
+            </a:endParaRPr>
+          </a:p>
+        </p:txBody>
+      </p:sp>
+      <p:sp>
+        <p:nvSpPr>
+          <p:cNvPr id="3" name="슬라이드 번호 개체 틀 2"/>
+          <p:cNvSpPr>
+            <a:spLocks noGrp="1"/>
+          </p:cNvSpPr>
+          <p:nvPr>
+            <p:ph type="sldNum" sz="quarter" idx="12"/>
+          </p:nvPr>
+        </p:nvSpPr>
+        <p:spPr/>
+        <p:txBody>
+          <a:bodyPr/>
+          <a:lstStyle/>
+          <a:p>
+            <a:fld id="{6DDAE2C3-1A0B-474A-8CE8-AE55B8D9D4B1}" type="slidenum">
+              <a:rPr lang="ko-KR" altLang="en-US" smtClean="0"/>
+              <a:pPr/>
+              <a:t>16</a:t>
             </a:fld>
             <a:endParaRPr lang="ko-KR" altLang="en-US" dirty="0"/>
           </a:p>
@@ -5072,7 +5600,7 @@
 </p:sld>
 </file>
 
-<file path=ppt/slides/slide15.xml><?xml version="1.0" encoding="utf-8"?>
+<file path=ppt/slides/slide17.xml><?xml version="1.0" encoding="utf-8"?>
 <p:sld xmlns:a="http://schemas.openxmlformats.org/drawingml/2006/main" xmlns:r="http://schemas.openxmlformats.org/officeDocument/2006/relationships" xmlns:p="http://schemas.openxmlformats.org/presentationml/2006/main">
   <p:cSld>
     <p:spTree>
@@ -5219,7 +5747,7 @@
             <a:fld id="{6DDAE2C3-1A0B-474A-8CE8-AE55B8D9D4B1}" type="slidenum">
               <a:rPr lang="ko-KR" altLang="en-US" smtClean="0"/>
               <a:pPr/>
-              <a:t>15</a:t>
+              <a:t>17</a:t>
             </a:fld>
             <a:endParaRPr lang="ko-KR" altLang="en-US" dirty="0"/>
           </a:p>
@@ -5268,7 +5796,7 @@
 </p:sld>
 </file>
 
-<file path=ppt/slides/slide16.xml><?xml version="1.0" encoding="utf-8"?>
+<file path=ppt/slides/slide18.xml><?xml version="1.0" encoding="utf-8"?>
 <p:sld xmlns:a="http://schemas.openxmlformats.org/drawingml/2006/main" xmlns:r="http://schemas.openxmlformats.org/officeDocument/2006/relationships" xmlns:p="http://schemas.openxmlformats.org/presentationml/2006/main">
   <p:cSld>
     <p:spTree>
@@ -5415,7 +5943,7 @@
             <a:fld id="{6DDAE2C3-1A0B-474A-8CE8-AE55B8D9D4B1}" type="slidenum">
               <a:rPr lang="ko-KR" altLang="en-US" smtClean="0"/>
               <a:pPr/>
-              <a:t>16</a:t>
+              <a:t>18</a:t>
             </a:fld>
             <a:endParaRPr lang="ko-KR" altLang="en-US" dirty="0"/>
           </a:p>
@@ -5464,7 +5992,7 @@
 </p:sld>
 </file>
 
-<file path=ppt/slides/slide17.xml><?xml version="1.0" encoding="utf-8"?>
+<file path=ppt/slides/slide19.xml><?xml version="1.0" encoding="utf-8"?>
 <p:sld xmlns:a="http://schemas.openxmlformats.org/drawingml/2006/main" xmlns:r="http://schemas.openxmlformats.org/officeDocument/2006/relationships" xmlns:p="http://schemas.openxmlformats.org/presentationml/2006/main">
   <p:cSld>
     <p:spTree>
@@ -5611,7 +6139,7 @@
             <a:fld id="{6DDAE2C3-1A0B-474A-8CE8-AE55B8D9D4B1}" type="slidenum">
               <a:rPr lang="ko-KR" altLang="en-US" smtClean="0"/>
               <a:pPr/>
-              <a:t>17</a:t>
+              <a:t>19</a:t>
             </a:fld>
             <a:endParaRPr lang="ko-KR" altLang="en-US" dirty="0"/>
           </a:p>
@@ -5660,7 +6188,595 @@
 </p:sld>
 </file>
 
-<file path=ppt/slides/slide18.xml><?xml version="1.0" encoding="utf-8"?>
+<file path=ppt/slides/slide2.xml><?xml version="1.0" encoding="utf-8"?>
+<p:sld xmlns:a="http://schemas.openxmlformats.org/drawingml/2006/main" xmlns:r="http://schemas.openxmlformats.org/officeDocument/2006/relationships" xmlns:p="http://schemas.openxmlformats.org/presentationml/2006/main">
+  <p:cSld>
+    <p:bg>
+      <p:bgPr>
+        <a:solidFill>
+          <a:schemeClr val="bg1">
+            <a:lumMod val="65000"/>
+          </a:schemeClr>
+        </a:solidFill>
+        <a:effectLst/>
+      </p:bgPr>
+    </p:bg>
+    <p:spTree>
+      <p:nvGrpSpPr>
+        <p:cNvPr id="1" name=""/>
+        <p:cNvGrpSpPr/>
+        <p:nvPr/>
+      </p:nvGrpSpPr>
+      <p:grpSpPr>
+        <a:xfrm>
+          <a:off x="0" y="0"/>
+          <a:ext cx="0" cy="0"/>
+          <a:chOff x="0" y="0"/>
+          <a:chExt cx="0" cy="0"/>
+        </a:xfrm>
+      </p:grpSpPr>
+      <p:pic>
+        <p:nvPicPr>
+          <p:cNvPr id="3" name="그림 2">
+            <a:extLst>
+              <a:ext uri="{FF2B5EF4-FFF2-40B4-BE49-F238E27FC236}">
+                <a16:creationId xmlns:a16="http://schemas.microsoft.com/office/drawing/2014/main" id="{08CEA1FF-16C2-407F-856E-DD23DB2CB208}"/>
+              </a:ext>
+            </a:extLst>
+          </p:cNvPr>
+          <p:cNvPicPr>
+            <a:picLocks noChangeAspect="1"/>
+          </p:cNvPicPr>
+          <p:nvPr/>
+        </p:nvPicPr>
+        <p:blipFill>
+          <a:blip r:embed="rId3"/>
+          <a:stretch>
+            <a:fillRect/>
+          </a:stretch>
+        </p:blipFill>
+        <p:spPr>
+          <a:xfrm>
+            <a:off x="4461017" y="0"/>
+            <a:ext cx="7702711" cy="6840538"/>
+          </a:xfrm>
+          <a:prstGeom prst="rect">
+            <a:avLst/>
+          </a:prstGeom>
+        </p:spPr>
+      </p:pic>
+      <p:sp>
+        <p:nvSpPr>
+          <p:cNvPr id="4" name="슬라이드 번호 개체 틀 3"/>
+          <p:cNvSpPr>
+            <a:spLocks noGrp="1"/>
+          </p:cNvSpPr>
+          <p:nvPr>
+            <p:ph type="sldNum" sz="quarter" idx="12"/>
+          </p:nvPr>
+        </p:nvSpPr>
+        <p:spPr/>
+        <p:txBody>
+          <a:bodyPr/>
+          <a:lstStyle/>
+          <a:p>
+            <a:pPr marL="0" marR="0" lvl="0" indent="0" algn="r" defTabSz="1107796" rtl="0" eaLnBrk="1" fontAlgn="auto" latinLnBrk="1" hangingPunct="1">
+              <a:lnSpc>
+                <a:spcPct val="100000"/>
+              </a:lnSpc>
+              <a:spcBef>
+                <a:spcPts val="0"/>
+              </a:spcBef>
+              <a:spcAft>
+                <a:spcPts val="0"/>
+              </a:spcAft>
+              <a:buClrTx/>
+              <a:buSzTx/>
+              <a:buFontTx/>
+              <a:buNone/>
+              <a:tabLst/>
+              <a:defRPr/>
+            </a:pPr>
+            <a:fld id="{6DDAE2C3-1A0B-474A-8CE8-AE55B8D9D4B1}" type="slidenum">
+              <a:rPr kumimoji="0" lang="ko-KR" altLang="en-US" sz="900" b="0" i="0" u="none" strike="noStrike" kern="1200" cap="none" spc="0" normalizeH="0" baseline="0" noProof="0" smtClean="0">
+                <a:ln>
+                  <a:noFill/>
+                </a:ln>
+                <a:solidFill>
+                  <a:prstClr val="black">
+                    <a:tint val="75000"/>
+                  </a:prstClr>
+                </a:solidFill>
+                <a:effectLst/>
+                <a:uLnTx/>
+                <a:uFillTx/>
+                <a:ea typeface="Noto Sans CJK KR Bold" panose="020B0800000000000000" pitchFamily="34" charset="-127"/>
+                <a:cs typeface="+mn-cs"/>
+              </a:rPr>
+              <a:pPr marL="0" marR="0" lvl="0" indent="0" algn="r" defTabSz="1107796" rtl="0" eaLnBrk="1" fontAlgn="auto" latinLnBrk="1" hangingPunct="1">
+                <a:lnSpc>
+                  <a:spcPct val="100000"/>
+                </a:lnSpc>
+                <a:spcBef>
+                  <a:spcPts val="0"/>
+                </a:spcBef>
+                <a:spcAft>
+                  <a:spcPts val="0"/>
+                </a:spcAft>
+                <a:buClrTx/>
+                <a:buSzTx/>
+                <a:buFontTx/>
+                <a:buNone/>
+                <a:tabLst/>
+                <a:defRPr/>
+              </a:pPr>
+              <a:t>2</a:t>
+            </a:fld>
+            <a:endParaRPr kumimoji="0" lang="ko-KR" altLang="en-US" sz="900" b="0" i="0" u="none" strike="noStrike" kern="1200" cap="none" spc="0" normalizeH="0" baseline="0" noProof="0" dirty="0">
+              <a:ln>
+                <a:noFill/>
+              </a:ln>
+              <a:solidFill>
+                <a:prstClr val="black">
+                  <a:tint val="75000"/>
+                </a:prstClr>
+              </a:solidFill>
+              <a:effectLst/>
+              <a:uLnTx/>
+              <a:uFillTx/>
+              <a:ea typeface="Noto Sans CJK KR Bold" panose="020B0800000000000000" pitchFamily="34" charset="-127"/>
+              <a:cs typeface="+mn-cs"/>
+            </a:endParaRPr>
+          </a:p>
+        </p:txBody>
+      </p:sp>
+      <p:sp>
+        <p:nvSpPr>
+          <p:cNvPr id="11" name="TextBox 10"/>
+          <p:cNvSpPr txBox="1"/>
+          <p:nvPr/>
+        </p:nvSpPr>
+        <p:spPr>
+          <a:xfrm>
+            <a:off x="542135" y="855851"/>
+            <a:ext cx="11298630" cy="2708434"/>
+          </a:xfrm>
+          <a:prstGeom prst="rect">
+            <a:avLst/>
+          </a:prstGeom>
+          <a:noFill/>
+        </p:spPr>
+        <p:txBody>
+          <a:bodyPr wrap="square" lIns="0" tIns="0" rIns="0" bIns="0" rtlCol="0" anchor="t">
+            <a:spAutoFit/>
+          </a:bodyPr>
+          <a:lstStyle/>
+          <a:p>
+            <a:pPr marL="0" marR="0" lvl="0" indent="0" algn="l" defTabSz="1107796" rtl="0" eaLnBrk="1" fontAlgn="auto" latinLnBrk="1" hangingPunct="1">
+              <a:lnSpc>
+                <a:spcPct val="100000"/>
+              </a:lnSpc>
+              <a:spcBef>
+                <a:spcPts val="0"/>
+              </a:spcBef>
+              <a:spcAft>
+                <a:spcPts val="0"/>
+              </a:spcAft>
+              <a:buClrTx/>
+              <a:buSzTx/>
+              <a:buFontTx/>
+              <a:buNone/>
+              <a:tabLst/>
+              <a:defRPr/>
+            </a:pPr>
+            <a:r>
+              <a:rPr lang="en-US" altLang="ko-KR" sz="4400" dirty="0">
+                <a:solidFill>
+                  <a:prstClr val="white"/>
+                </a:solidFill>
+                <a:latin typeface="Noto Sans CJK KR Black" panose="020B0A00000000000000" pitchFamily="34" charset="-127"/>
+                <a:ea typeface="Noto Sans CJK KR Black" panose="020B0A00000000000000" pitchFamily="34" charset="-127"/>
+              </a:rPr>
+              <a:t>3</a:t>
+            </a:r>
+            <a:r>
+              <a:rPr kumimoji="0" lang="ko-KR" altLang="en-US" sz="4400" b="0" i="0" u="none" strike="noStrike" kern="1200" cap="none" spc="0" normalizeH="0" baseline="0" noProof="0" dirty="0">
+                <a:ln>
+                  <a:noFill/>
+                </a:ln>
+                <a:solidFill>
+                  <a:prstClr val="white"/>
+                </a:solidFill>
+                <a:effectLst/>
+                <a:uLnTx/>
+                <a:uFillTx/>
+                <a:latin typeface="Noto Sans CJK KR Black" panose="020B0A00000000000000" pitchFamily="34" charset="-127"/>
+                <a:ea typeface="Noto Sans CJK KR Black" panose="020B0A00000000000000" pitchFamily="34" charset="-127"/>
+                <a:cs typeface="+mn-cs"/>
+              </a:rPr>
+              <a:t>주차 </a:t>
+            </a:r>
+            <a:endParaRPr kumimoji="0" lang="en-US" altLang="ko-KR" sz="4400" b="0" i="0" u="none" strike="noStrike" kern="1200" cap="none" spc="0" normalizeH="0" baseline="0" noProof="0" dirty="0">
+              <a:ln>
+                <a:noFill/>
+              </a:ln>
+              <a:solidFill>
+                <a:prstClr val="white"/>
+              </a:solidFill>
+              <a:effectLst/>
+              <a:uLnTx/>
+              <a:uFillTx/>
+              <a:latin typeface="Noto Sans CJK KR Black" panose="020B0A00000000000000" pitchFamily="34" charset="-127"/>
+              <a:ea typeface="Noto Sans CJK KR Black" panose="020B0A00000000000000" pitchFamily="34" charset="-127"/>
+              <a:cs typeface="+mn-cs"/>
+            </a:endParaRPr>
+          </a:p>
+          <a:p>
+            <a:pPr marL="0" marR="0" lvl="0" indent="0" algn="l" defTabSz="1107796" rtl="0" eaLnBrk="1" fontAlgn="auto" latinLnBrk="1" hangingPunct="1">
+              <a:lnSpc>
+                <a:spcPct val="100000"/>
+              </a:lnSpc>
+              <a:spcBef>
+                <a:spcPts val="0"/>
+              </a:spcBef>
+              <a:spcAft>
+                <a:spcPts val="0"/>
+              </a:spcAft>
+              <a:buClrTx/>
+              <a:buSzTx/>
+              <a:buFontTx/>
+              <a:buNone/>
+              <a:tabLst/>
+              <a:defRPr/>
+            </a:pPr>
+            <a:r>
+              <a:rPr kumimoji="0" lang="ko-KR" altLang="en-US" sz="4400" b="0" i="0" u="none" strike="noStrike" kern="1200" cap="none" spc="0" normalizeH="0" baseline="0" noProof="0" dirty="0">
+                <a:ln>
+                  <a:noFill/>
+                </a:ln>
+                <a:solidFill>
+                  <a:prstClr val="white"/>
+                </a:solidFill>
+                <a:effectLst/>
+                <a:uLnTx/>
+                <a:uFillTx/>
+                <a:latin typeface="Noto Sans CJK KR Black" panose="020B0A00000000000000" pitchFamily="34" charset="-127"/>
+                <a:ea typeface="Noto Sans CJK KR Black" panose="020B0A00000000000000" pitchFamily="34" charset="-127"/>
+                <a:cs typeface="+mn-cs"/>
+              </a:rPr>
+              <a:t>강의의 목적</a:t>
+            </a:r>
+            <a:endParaRPr kumimoji="0" lang="en-US" altLang="ko-KR" sz="4400" b="0" i="0" u="none" strike="noStrike" kern="1200" cap="none" spc="0" normalizeH="0" baseline="0" noProof="0" dirty="0">
+              <a:ln>
+                <a:noFill/>
+              </a:ln>
+              <a:solidFill>
+                <a:prstClr val="white"/>
+              </a:solidFill>
+              <a:effectLst/>
+              <a:uLnTx/>
+              <a:uFillTx/>
+              <a:latin typeface="Noto Sans CJK KR Black" panose="020B0A00000000000000" pitchFamily="34" charset="-127"/>
+              <a:ea typeface="Noto Sans CJK KR Black" panose="020B0A00000000000000" pitchFamily="34" charset="-127"/>
+              <a:cs typeface="+mn-cs"/>
+            </a:endParaRPr>
+          </a:p>
+          <a:p>
+            <a:pPr marL="0" marR="0" lvl="0" indent="0" algn="l" defTabSz="1107796" rtl="0" eaLnBrk="1" fontAlgn="auto" latinLnBrk="1" hangingPunct="1">
+              <a:lnSpc>
+                <a:spcPct val="100000"/>
+              </a:lnSpc>
+              <a:spcBef>
+                <a:spcPts val="0"/>
+              </a:spcBef>
+              <a:spcAft>
+                <a:spcPts val="0"/>
+              </a:spcAft>
+              <a:buClrTx/>
+              <a:buSzTx/>
+              <a:buFontTx/>
+              <a:buNone/>
+              <a:tabLst/>
+              <a:defRPr/>
+            </a:pPr>
+            <a:endParaRPr kumimoji="0" lang="en-US" altLang="ko-KR" sz="4400" b="0" i="0" u="none" strike="noStrike" kern="1200" cap="none" spc="0" normalizeH="0" baseline="0" noProof="0" dirty="0">
+              <a:ln>
+                <a:noFill/>
+              </a:ln>
+              <a:solidFill>
+                <a:prstClr val="white"/>
+              </a:solidFill>
+              <a:effectLst/>
+              <a:uLnTx/>
+              <a:uFillTx/>
+              <a:latin typeface="Noto Sans CJK KR Black" panose="020B0A00000000000000" pitchFamily="34" charset="-127"/>
+              <a:ea typeface="Noto Sans CJK KR Black" panose="020B0A00000000000000" pitchFamily="34" charset="-127"/>
+              <a:cs typeface="+mn-cs"/>
+            </a:endParaRPr>
+          </a:p>
+          <a:p>
+            <a:pPr marL="0" marR="0" lvl="0" indent="0" algn="l" defTabSz="1107796" rtl="0" eaLnBrk="1" fontAlgn="auto" latinLnBrk="1" hangingPunct="1">
+              <a:lnSpc>
+                <a:spcPct val="100000"/>
+              </a:lnSpc>
+              <a:spcBef>
+                <a:spcPts val="0"/>
+              </a:spcBef>
+              <a:spcAft>
+                <a:spcPts val="0"/>
+              </a:spcAft>
+              <a:buClrTx/>
+              <a:buSzTx/>
+              <a:buFontTx/>
+              <a:buNone/>
+              <a:tabLst/>
+              <a:defRPr/>
+            </a:pPr>
+            <a:endParaRPr kumimoji="0" lang="en-US" altLang="ko-KR" sz="4400" b="0" i="0" u="none" strike="noStrike" kern="1200" cap="none" spc="0" normalizeH="0" baseline="0" noProof="0" dirty="0">
+              <a:ln>
+                <a:noFill/>
+              </a:ln>
+              <a:solidFill>
+                <a:prstClr val="white"/>
+              </a:solidFill>
+              <a:effectLst/>
+              <a:uLnTx/>
+              <a:uFillTx/>
+              <a:latin typeface="Noto Sans CJK KR Black" panose="020B0A00000000000000" pitchFamily="34" charset="-127"/>
+              <a:ea typeface="Noto Sans CJK KR Black" panose="020B0A00000000000000" pitchFamily="34" charset="-127"/>
+              <a:cs typeface="+mn-cs"/>
+            </a:endParaRPr>
+          </a:p>
+        </p:txBody>
+      </p:sp>
+      <p:sp>
+        <p:nvSpPr>
+          <p:cNvPr id="12" name="TextBox 11"/>
+          <p:cNvSpPr txBox="1"/>
+          <p:nvPr/>
+        </p:nvSpPr>
+        <p:spPr>
+          <a:xfrm>
+            <a:off x="4783981" y="611957"/>
+            <a:ext cx="7056784" cy="216726"/>
+          </a:xfrm>
+          <a:prstGeom prst="rect">
+            <a:avLst/>
+          </a:prstGeom>
+          <a:noFill/>
+        </p:spPr>
+        <p:txBody>
+          <a:bodyPr wrap="square" lIns="0" tIns="0" rIns="0" bIns="0" rtlCol="0" anchor="t">
+            <a:spAutoFit/>
+          </a:bodyPr>
+          <a:lstStyle/>
+          <a:p>
+            <a:pPr marL="0" marR="0" lvl="0" indent="0" algn="l" defTabSz="1107796" rtl="0" eaLnBrk="1" fontAlgn="auto" latinLnBrk="1" hangingPunct="1">
+              <a:lnSpc>
+                <a:spcPct val="150000"/>
+              </a:lnSpc>
+              <a:spcBef>
+                <a:spcPts val="0"/>
+              </a:spcBef>
+              <a:spcAft>
+                <a:spcPts val="0"/>
+              </a:spcAft>
+              <a:buClrTx/>
+              <a:buSzTx/>
+              <a:buFontTx/>
+              <a:buNone/>
+              <a:tabLst/>
+              <a:defRPr/>
+            </a:pPr>
+            <a:endParaRPr kumimoji="0" lang="en-US" altLang="ko-KR" sz="1050" b="0" i="0" u="none" strike="noStrike" kern="1200" cap="none" spc="0" normalizeH="0" baseline="0" noProof="0" dirty="0">
+              <a:ln>
+                <a:noFill/>
+              </a:ln>
+              <a:solidFill>
+                <a:prstClr val="white"/>
+              </a:solidFill>
+              <a:effectLst/>
+              <a:uLnTx/>
+              <a:uFillTx/>
+              <a:latin typeface="Noto Sans CJK KR Medium" panose="020B0600000000000000" pitchFamily="34" charset="-127"/>
+              <a:ea typeface="Noto Sans CJK KR Medium" panose="020B0600000000000000" pitchFamily="34" charset="-127"/>
+              <a:cs typeface="+mn-cs"/>
+            </a:endParaRPr>
+          </a:p>
+        </p:txBody>
+      </p:sp>
+      <p:sp>
+        <p:nvSpPr>
+          <p:cNvPr id="2" name="TextBox 1">
+            <a:extLst>
+              <a:ext uri="{FF2B5EF4-FFF2-40B4-BE49-F238E27FC236}">
+                <a16:creationId xmlns:a16="http://schemas.microsoft.com/office/drawing/2014/main" id="{8060EEAE-53E1-49A6-9042-250FCF40B0FE}"/>
+              </a:ext>
+            </a:extLst>
+          </p:cNvPr>
+          <p:cNvSpPr txBox="1"/>
+          <p:nvPr/>
+        </p:nvSpPr>
+        <p:spPr>
+          <a:xfrm>
+            <a:off x="4491200" y="2772197"/>
+            <a:ext cx="7669049" cy="1785104"/>
+          </a:xfrm>
+          <a:prstGeom prst="rect">
+            <a:avLst/>
+          </a:prstGeom>
+          <a:noFill/>
+          <a:ln w="38100">
+            <a:solidFill>
+              <a:srgbClr val="FF0000"/>
+            </a:solidFill>
+          </a:ln>
+        </p:spPr>
+        <p:txBody>
+          <a:bodyPr wrap="square" rtlCol="0">
+            <a:spAutoFit/>
+          </a:bodyPr>
+          <a:lstStyle/>
+          <a:p>
+            <a:pPr marL="0" marR="0" lvl="0" indent="0" algn="l" defTabSz="1107796" rtl="0" eaLnBrk="1" fontAlgn="auto" latinLnBrk="1" hangingPunct="1">
+              <a:lnSpc>
+                <a:spcPct val="100000"/>
+              </a:lnSpc>
+              <a:spcBef>
+                <a:spcPts val="0"/>
+              </a:spcBef>
+              <a:spcAft>
+                <a:spcPts val="0"/>
+              </a:spcAft>
+              <a:buClrTx/>
+              <a:buSzTx/>
+              <a:buFontTx/>
+              <a:buNone/>
+              <a:tabLst/>
+              <a:defRPr/>
+            </a:pPr>
+            <a:endParaRPr kumimoji="0" lang="en-US" altLang="ko-KR" sz="2200" b="0" i="0" u="none" strike="noStrike" kern="1200" cap="none" spc="0" normalizeH="0" baseline="0" noProof="0" dirty="0">
+              <a:ln>
+                <a:noFill/>
+              </a:ln>
+              <a:solidFill>
+                <a:prstClr val="black"/>
+              </a:solidFill>
+              <a:effectLst/>
+              <a:uLnTx/>
+              <a:uFillTx/>
+              <a:latin typeface="맑은 고딕"/>
+              <a:ea typeface="맑은 고딕" panose="020B0503020000020004" pitchFamily="50" charset="-127"/>
+              <a:cs typeface="+mn-cs"/>
+            </a:endParaRPr>
+          </a:p>
+          <a:p>
+            <a:pPr marL="0" marR="0" lvl="0" indent="0" algn="l" defTabSz="1107796" rtl="0" eaLnBrk="1" fontAlgn="auto" latinLnBrk="1" hangingPunct="1">
+              <a:lnSpc>
+                <a:spcPct val="100000"/>
+              </a:lnSpc>
+              <a:spcBef>
+                <a:spcPts val="0"/>
+              </a:spcBef>
+              <a:spcAft>
+                <a:spcPts val="0"/>
+              </a:spcAft>
+              <a:buClrTx/>
+              <a:buSzTx/>
+              <a:buFontTx/>
+              <a:buNone/>
+              <a:tabLst/>
+              <a:defRPr/>
+            </a:pPr>
+            <a:endParaRPr lang="en-US" altLang="ko-KR" dirty="0">
+              <a:solidFill>
+                <a:prstClr val="black"/>
+              </a:solidFill>
+              <a:latin typeface="맑은 고딕"/>
+              <a:ea typeface="맑은 고딕" panose="020B0503020000020004" pitchFamily="50" charset="-127"/>
+            </a:endParaRPr>
+          </a:p>
+          <a:p>
+            <a:pPr marL="0" marR="0" lvl="0" indent="0" algn="l" defTabSz="1107796" rtl="0" eaLnBrk="1" fontAlgn="auto" latinLnBrk="1" hangingPunct="1">
+              <a:lnSpc>
+                <a:spcPct val="100000"/>
+              </a:lnSpc>
+              <a:spcBef>
+                <a:spcPts val="0"/>
+              </a:spcBef>
+              <a:spcAft>
+                <a:spcPts val="0"/>
+              </a:spcAft>
+              <a:buClrTx/>
+              <a:buSzTx/>
+              <a:buFontTx/>
+              <a:buNone/>
+              <a:tabLst/>
+              <a:defRPr/>
+            </a:pPr>
+            <a:endParaRPr lang="en-US" altLang="ko-KR" dirty="0">
+              <a:solidFill>
+                <a:prstClr val="black"/>
+              </a:solidFill>
+              <a:latin typeface="맑은 고딕"/>
+              <a:ea typeface="맑은 고딕" panose="020B0503020000020004" pitchFamily="50" charset="-127"/>
+            </a:endParaRPr>
+          </a:p>
+          <a:p>
+            <a:pPr marL="0" marR="0" lvl="0" indent="0" algn="l" defTabSz="1107796" rtl="0" eaLnBrk="1" fontAlgn="auto" latinLnBrk="1" hangingPunct="1">
+              <a:lnSpc>
+                <a:spcPct val="100000"/>
+              </a:lnSpc>
+              <a:spcBef>
+                <a:spcPts val="0"/>
+              </a:spcBef>
+              <a:spcAft>
+                <a:spcPts val="0"/>
+              </a:spcAft>
+              <a:buClrTx/>
+              <a:buSzTx/>
+              <a:buFontTx/>
+              <a:buNone/>
+              <a:tabLst/>
+              <a:defRPr/>
+            </a:pPr>
+            <a:endParaRPr lang="en-US" altLang="ko-KR" dirty="0">
+              <a:solidFill>
+                <a:prstClr val="black"/>
+              </a:solidFill>
+              <a:latin typeface="맑은 고딕"/>
+              <a:ea typeface="맑은 고딕" panose="020B0503020000020004" pitchFamily="50" charset="-127"/>
+            </a:endParaRPr>
+          </a:p>
+          <a:p>
+            <a:pPr marL="0" marR="0" lvl="0" indent="0" algn="l" defTabSz="1107796" rtl="0" eaLnBrk="1" fontAlgn="auto" latinLnBrk="1" hangingPunct="1">
+              <a:lnSpc>
+                <a:spcPct val="100000"/>
+              </a:lnSpc>
+              <a:spcBef>
+                <a:spcPts val="0"/>
+              </a:spcBef>
+              <a:spcAft>
+                <a:spcPts val="0"/>
+              </a:spcAft>
+              <a:buClrTx/>
+              <a:buSzTx/>
+              <a:buFontTx/>
+              <a:buNone/>
+              <a:tabLst/>
+              <a:defRPr/>
+            </a:pPr>
+            <a:endParaRPr kumimoji="0" lang="ko-KR" altLang="en-US" sz="2200" b="0" i="0" u="none" strike="noStrike" kern="1200" cap="none" spc="0" normalizeH="0" baseline="0" noProof="0" dirty="0">
+              <a:ln>
+                <a:noFill/>
+              </a:ln>
+              <a:solidFill>
+                <a:prstClr val="black"/>
+              </a:solidFill>
+              <a:effectLst/>
+              <a:uLnTx/>
+              <a:uFillTx/>
+              <a:latin typeface="맑은 고딕"/>
+              <a:ea typeface="맑은 고딕" panose="020B0503020000020004" pitchFamily="50" charset="-127"/>
+              <a:cs typeface="+mn-cs"/>
+            </a:endParaRPr>
+          </a:p>
+        </p:txBody>
+      </p:sp>
+    </p:spTree>
+    <p:extLst>
+      <p:ext uri="{BB962C8B-B14F-4D97-AF65-F5344CB8AC3E}">
+        <p14:creationId xmlns:p14="http://schemas.microsoft.com/office/powerpoint/2010/main" val="3071079874"/>
+      </p:ext>
+    </p:extLst>
+  </p:cSld>
+  <p:clrMapOvr>
+    <a:masterClrMapping/>
+  </p:clrMapOvr>
+</p:sld>
+</file>
+
+<file path=ppt/slides/slide20.xml><?xml version="1.0" encoding="utf-8"?>
 <p:sld xmlns:a="http://schemas.openxmlformats.org/drawingml/2006/main" xmlns:r="http://schemas.openxmlformats.org/officeDocument/2006/relationships" xmlns:p="http://schemas.openxmlformats.org/presentationml/2006/main">
   <p:cSld>
     <p:spTree>
@@ -5807,7 +6923,7 @@
             <a:fld id="{6DDAE2C3-1A0B-474A-8CE8-AE55B8D9D4B1}" type="slidenum">
               <a:rPr lang="ko-KR" altLang="en-US" smtClean="0"/>
               <a:pPr/>
-              <a:t>18</a:t>
+              <a:t>20</a:t>
             </a:fld>
             <a:endParaRPr lang="ko-KR" altLang="en-US" dirty="0"/>
           </a:p>
@@ -5856,7 +6972,7 @@
 </p:sld>
 </file>
 
-<file path=ppt/slides/slide19.xml><?xml version="1.0" encoding="utf-8"?>
+<file path=ppt/slides/slide21.xml><?xml version="1.0" encoding="utf-8"?>
 <p:sld xmlns:a="http://schemas.openxmlformats.org/drawingml/2006/main" xmlns:r="http://schemas.openxmlformats.org/officeDocument/2006/relationships" xmlns:p="http://schemas.openxmlformats.org/presentationml/2006/main">
   <p:cSld>
     <p:spTree>
@@ -5977,7 +7093,7 @@
             <a:fld id="{6DDAE2C3-1A0B-474A-8CE8-AE55B8D9D4B1}" type="slidenum">
               <a:rPr lang="ko-KR" altLang="en-US" smtClean="0"/>
               <a:pPr/>
-              <a:t>19</a:t>
+              <a:t>21</a:t>
             </a:fld>
             <a:endParaRPr lang="ko-KR" altLang="en-US" dirty="0"/>
           </a:p>
@@ -6026,601 +7142,7 @@
 </p:sld>
 </file>
 
-<file path=ppt/slides/slide2.xml><?xml version="1.0" encoding="utf-8"?>
-<p:sld xmlns:a="http://schemas.openxmlformats.org/drawingml/2006/main" xmlns:r="http://schemas.openxmlformats.org/officeDocument/2006/relationships" xmlns:p="http://schemas.openxmlformats.org/presentationml/2006/main">
-  <p:cSld>
-    <p:bg>
-      <p:bgPr>
-        <a:solidFill>
-          <a:schemeClr val="bg1">
-            <a:lumMod val="65000"/>
-          </a:schemeClr>
-        </a:solidFill>
-        <a:effectLst/>
-      </p:bgPr>
-    </p:bg>
-    <p:spTree>
-      <p:nvGrpSpPr>
-        <p:cNvPr id="1" name=""/>
-        <p:cNvGrpSpPr/>
-        <p:nvPr/>
-      </p:nvGrpSpPr>
-      <p:grpSpPr>
-        <a:xfrm>
-          <a:off x="0" y="0"/>
-          <a:ext cx="0" cy="0"/>
-          <a:chOff x="0" y="0"/>
-          <a:chExt cx="0" cy="0"/>
-        </a:xfrm>
-      </p:grpSpPr>
-      <p:sp>
-        <p:nvSpPr>
-          <p:cNvPr id="4" name="슬라이드 번호 개체 틀 3"/>
-          <p:cNvSpPr>
-            <a:spLocks noGrp="1"/>
-          </p:cNvSpPr>
-          <p:nvPr>
-            <p:ph type="sldNum" sz="quarter" idx="12"/>
-          </p:nvPr>
-        </p:nvSpPr>
-        <p:spPr/>
-        <p:txBody>
-          <a:bodyPr/>
-          <a:lstStyle/>
-          <a:p>
-            <a:pPr marL="0" marR="0" lvl="0" indent="0" algn="r" defTabSz="1107796" rtl="0" eaLnBrk="1" fontAlgn="auto" latinLnBrk="1" hangingPunct="1">
-              <a:lnSpc>
-                <a:spcPct val="100000"/>
-              </a:lnSpc>
-              <a:spcBef>
-                <a:spcPts val="0"/>
-              </a:spcBef>
-              <a:spcAft>
-                <a:spcPts val="0"/>
-              </a:spcAft>
-              <a:buClrTx/>
-              <a:buSzTx/>
-              <a:buFontTx/>
-              <a:buNone/>
-              <a:tabLst/>
-              <a:defRPr/>
-            </a:pPr>
-            <a:fld id="{6DDAE2C3-1A0B-474A-8CE8-AE55B8D9D4B1}" type="slidenum">
-              <a:rPr kumimoji="0" lang="ko-KR" altLang="en-US" sz="900" b="0" i="0" u="none" strike="noStrike" kern="1200" cap="none" spc="0" normalizeH="0" baseline="0" noProof="0" smtClean="0">
-                <a:ln>
-                  <a:noFill/>
-                </a:ln>
-                <a:solidFill>
-                  <a:prstClr val="black">
-                    <a:tint val="75000"/>
-                  </a:prstClr>
-                </a:solidFill>
-                <a:effectLst/>
-                <a:uLnTx/>
-                <a:uFillTx/>
-                <a:ea typeface="Noto Sans CJK KR Bold" panose="020B0800000000000000" pitchFamily="34" charset="-127"/>
-                <a:cs typeface="+mn-cs"/>
-              </a:rPr>
-              <a:pPr marL="0" marR="0" lvl="0" indent="0" algn="r" defTabSz="1107796" rtl="0" eaLnBrk="1" fontAlgn="auto" latinLnBrk="1" hangingPunct="1">
-                <a:lnSpc>
-                  <a:spcPct val="100000"/>
-                </a:lnSpc>
-                <a:spcBef>
-                  <a:spcPts val="0"/>
-                </a:spcBef>
-                <a:spcAft>
-                  <a:spcPts val="0"/>
-                </a:spcAft>
-                <a:buClrTx/>
-                <a:buSzTx/>
-                <a:buFontTx/>
-                <a:buNone/>
-                <a:tabLst/>
-                <a:defRPr/>
-              </a:pPr>
-              <a:t>2</a:t>
-            </a:fld>
-            <a:endParaRPr kumimoji="0" lang="ko-KR" altLang="en-US" sz="900" b="0" i="0" u="none" strike="noStrike" kern="1200" cap="none" spc="0" normalizeH="0" baseline="0" noProof="0" dirty="0">
-              <a:ln>
-                <a:noFill/>
-              </a:ln>
-              <a:solidFill>
-                <a:prstClr val="black">
-                  <a:tint val="75000"/>
-                </a:prstClr>
-              </a:solidFill>
-              <a:effectLst/>
-              <a:uLnTx/>
-              <a:uFillTx/>
-              <a:ea typeface="Noto Sans CJK KR Bold" panose="020B0800000000000000" pitchFamily="34" charset="-127"/>
-              <a:cs typeface="+mn-cs"/>
-            </a:endParaRPr>
-          </a:p>
-        </p:txBody>
-      </p:sp>
-      <p:sp>
-        <p:nvSpPr>
-          <p:cNvPr id="11" name="TextBox 10"/>
-          <p:cNvSpPr txBox="1"/>
-          <p:nvPr/>
-        </p:nvSpPr>
-        <p:spPr>
-          <a:xfrm>
-            <a:off x="542135" y="855851"/>
-            <a:ext cx="11298630" cy="2708434"/>
-          </a:xfrm>
-          <a:prstGeom prst="rect">
-            <a:avLst/>
-          </a:prstGeom>
-          <a:noFill/>
-        </p:spPr>
-        <p:txBody>
-          <a:bodyPr wrap="square" lIns="0" tIns="0" rIns="0" bIns="0" rtlCol="0" anchor="t">
-            <a:spAutoFit/>
-          </a:bodyPr>
-          <a:lstStyle/>
-          <a:p>
-            <a:pPr marL="0" marR="0" lvl="0" indent="0" algn="l" defTabSz="1107796" rtl="0" eaLnBrk="1" fontAlgn="auto" latinLnBrk="1" hangingPunct="1">
-              <a:lnSpc>
-                <a:spcPct val="100000"/>
-              </a:lnSpc>
-              <a:spcBef>
-                <a:spcPts val="0"/>
-              </a:spcBef>
-              <a:spcAft>
-                <a:spcPts val="0"/>
-              </a:spcAft>
-              <a:buClrTx/>
-              <a:buSzTx/>
-              <a:buFontTx/>
-              <a:buNone/>
-              <a:tabLst/>
-              <a:defRPr/>
-            </a:pPr>
-            <a:r>
-              <a:rPr lang="en-US" altLang="ko-KR" sz="4400" dirty="0">
-                <a:solidFill>
-                  <a:prstClr val="white"/>
-                </a:solidFill>
-                <a:latin typeface="Noto Sans CJK KR Black" panose="020B0A00000000000000" pitchFamily="34" charset="-127"/>
-                <a:ea typeface="Noto Sans CJK KR Black" panose="020B0A00000000000000" pitchFamily="34" charset="-127"/>
-              </a:rPr>
-              <a:t>3</a:t>
-            </a:r>
-            <a:r>
-              <a:rPr kumimoji="0" lang="ko-KR" altLang="en-US" sz="4400" b="0" i="0" u="none" strike="noStrike" kern="1200" cap="none" spc="0" normalizeH="0" baseline="0" noProof="0" dirty="0">
-                <a:ln>
-                  <a:noFill/>
-                </a:ln>
-                <a:solidFill>
-                  <a:prstClr val="white"/>
-                </a:solidFill>
-                <a:effectLst/>
-                <a:uLnTx/>
-                <a:uFillTx/>
-                <a:latin typeface="Noto Sans CJK KR Black" panose="020B0A00000000000000" pitchFamily="34" charset="-127"/>
-                <a:ea typeface="Noto Sans CJK KR Black" panose="020B0A00000000000000" pitchFamily="34" charset="-127"/>
-                <a:cs typeface="+mn-cs"/>
-              </a:rPr>
-              <a:t>주차 </a:t>
-            </a:r>
-            <a:endParaRPr kumimoji="0" lang="en-US" altLang="ko-KR" sz="4400" b="0" i="0" u="none" strike="noStrike" kern="1200" cap="none" spc="0" normalizeH="0" baseline="0" noProof="0" dirty="0">
-              <a:ln>
-                <a:noFill/>
-              </a:ln>
-              <a:solidFill>
-                <a:prstClr val="white"/>
-              </a:solidFill>
-              <a:effectLst/>
-              <a:uLnTx/>
-              <a:uFillTx/>
-              <a:latin typeface="Noto Sans CJK KR Black" panose="020B0A00000000000000" pitchFamily="34" charset="-127"/>
-              <a:ea typeface="Noto Sans CJK KR Black" panose="020B0A00000000000000" pitchFamily="34" charset="-127"/>
-              <a:cs typeface="+mn-cs"/>
-            </a:endParaRPr>
-          </a:p>
-          <a:p>
-            <a:pPr marL="0" marR="0" lvl="0" indent="0" algn="l" defTabSz="1107796" rtl="0" eaLnBrk="1" fontAlgn="auto" latinLnBrk="1" hangingPunct="1">
-              <a:lnSpc>
-                <a:spcPct val="100000"/>
-              </a:lnSpc>
-              <a:spcBef>
-                <a:spcPts val="0"/>
-              </a:spcBef>
-              <a:spcAft>
-                <a:spcPts val="0"/>
-              </a:spcAft>
-              <a:buClrTx/>
-              <a:buSzTx/>
-              <a:buFontTx/>
-              <a:buNone/>
-              <a:tabLst/>
-              <a:defRPr/>
-            </a:pPr>
-            <a:r>
-              <a:rPr kumimoji="0" lang="ko-KR" altLang="en-US" sz="4400" b="0" i="0" u="none" strike="noStrike" kern="1200" cap="none" spc="0" normalizeH="0" baseline="0" noProof="0" dirty="0">
-                <a:ln>
-                  <a:noFill/>
-                </a:ln>
-                <a:solidFill>
-                  <a:prstClr val="white"/>
-                </a:solidFill>
-                <a:effectLst/>
-                <a:uLnTx/>
-                <a:uFillTx/>
-                <a:latin typeface="Noto Sans CJK KR Black" panose="020B0A00000000000000" pitchFamily="34" charset="-127"/>
-                <a:ea typeface="Noto Sans CJK KR Black" panose="020B0A00000000000000" pitchFamily="34" charset="-127"/>
-                <a:cs typeface="+mn-cs"/>
-              </a:rPr>
-              <a:t>강의의 목적</a:t>
-            </a:r>
-            <a:endParaRPr kumimoji="0" lang="en-US" altLang="ko-KR" sz="4400" b="0" i="0" u="none" strike="noStrike" kern="1200" cap="none" spc="0" normalizeH="0" baseline="0" noProof="0" dirty="0">
-              <a:ln>
-                <a:noFill/>
-              </a:ln>
-              <a:solidFill>
-                <a:prstClr val="white"/>
-              </a:solidFill>
-              <a:effectLst/>
-              <a:uLnTx/>
-              <a:uFillTx/>
-              <a:latin typeface="Noto Sans CJK KR Black" panose="020B0A00000000000000" pitchFamily="34" charset="-127"/>
-              <a:ea typeface="Noto Sans CJK KR Black" panose="020B0A00000000000000" pitchFamily="34" charset="-127"/>
-              <a:cs typeface="+mn-cs"/>
-            </a:endParaRPr>
-          </a:p>
-          <a:p>
-            <a:pPr marL="0" marR="0" lvl="0" indent="0" algn="l" defTabSz="1107796" rtl="0" eaLnBrk="1" fontAlgn="auto" latinLnBrk="1" hangingPunct="1">
-              <a:lnSpc>
-                <a:spcPct val="100000"/>
-              </a:lnSpc>
-              <a:spcBef>
-                <a:spcPts val="0"/>
-              </a:spcBef>
-              <a:spcAft>
-                <a:spcPts val="0"/>
-              </a:spcAft>
-              <a:buClrTx/>
-              <a:buSzTx/>
-              <a:buFontTx/>
-              <a:buNone/>
-              <a:tabLst/>
-              <a:defRPr/>
-            </a:pPr>
-            <a:endParaRPr kumimoji="0" lang="en-US" altLang="ko-KR" sz="4400" b="0" i="0" u="none" strike="noStrike" kern="1200" cap="none" spc="0" normalizeH="0" baseline="0" noProof="0" dirty="0">
-              <a:ln>
-                <a:noFill/>
-              </a:ln>
-              <a:solidFill>
-                <a:prstClr val="white"/>
-              </a:solidFill>
-              <a:effectLst/>
-              <a:uLnTx/>
-              <a:uFillTx/>
-              <a:latin typeface="Noto Sans CJK KR Black" panose="020B0A00000000000000" pitchFamily="34" charset="-127"/>
-              <a:ea typeface="Noto Sans CJK KR Black" panose="020B0A00000000000000" pitchFamily="34" charset="-127"/>
-              <a:cs typeface="+mn-cs"/>
-            </a:endParaRPr>
-          </a:p>
-          <a:p>
-            <a:pPr marL="0" marR="0" lvl="0" indent="0" algn="l" defTabSz="1107796" rtl="0" eaLnBrk="1" fontAlgn="auto" latinLnBrk="1" hangingPunct="1">
-              <a:lnSpc>
-                <a:spcPct val="100000"/>
-              </a:lnSpc>
-              <a:spcBef>
-                <a:spcPts val="0"/>
-              </a:spcBef>
-              <a:spcAft>
-                <a:spcPts val="0"/>
-              </a:spcAft>
-              <a:buClrTx/>
-              <a:buSzTx/>
-              <a:buFontTx/>
-              <a:buNone/>
-              <a:tabLst/>
-              <a:defRPr/>
-            </a:pPr>
-            <a:endParaRPr kumimoji="0" lang="en-US" altLang="ko-KR" sz="4400" b="0" i="0" u="none" strike="noStrike" kern="1200" cap="none" spc="0" normalizeH="0" baseline="0" noProof="0" dirty="0">
-              <a:ln>
-                <a:noFill/>
-              </a:ln>
-              <a:solidFill>
-                <a:prstClr val="white"/>
-              </a:solidFill>
-              <a:effectLst/>
-              <a:uLnTx/>
-              <a:uFillTx/>
-              <a:latin typeface="Noto Sans CJK KR Black" panose="020B0A00000000000000" pitchFamily="34" charset="-127"/>
-              <a:ea typeface="Noto Sans CJK KR Black" panose="020B0A00000000000000" pitchFamily="34" charset="-127"/>
-              <a:cs typeface="+mn-cs"/>
-            </a:endParaRPr>
-          </a:p>
-        </p:txBody>
-      </p:sp>
-      <p:sp>
-        <p:nvSpPr>
-          <p:cNvPr id="12" name="TextBox 11"/>
-          <p:cNvSpPr txBox="1"/>
-          <p:nvPr/>
-        </p:nvSpPr>
-        <p:spPr>
-          <a:xfrm>
-            <a:off x="4783981" y="611957"/>
-            <a:ext cx="7056784" cy="216726"/>
-          </a:xfrm>
-          <a:prstGeom prst="rect">
-            <a:avLst/>
-          </a:prstGeom>
-          <a:noFill/>
-        </p:spPr>
-        <p:txBody>
-          <a:bodyPr wrap="square" lIns="0" tIns="0" rIns="0" bIns="0" rtlCol="0" anchor="t">
-            <a:spAutoFit/>
-          </a:bodyPr>
-          <a:lstStyle/>
-          <a:p>
-            <a:pPr marL="0" marR="0" lvl="0" indent="0" algn="l" defTabSz="1107796" rtl="0" eaLnBrk="1" fontAlgn="auto" latinLnBrk="1" hangingPunct="1">
-              <a:lnSpc>
-                <a:spcPct val="150000"/>
-              </a:lnSpc>
-              <a:spcBef>
-                <a:spcPts val="0"/>
-              </a:spcBef>
-              <a:spcAft>
-                <a:spcPts val="0"/>
-              </a:spcAft>
-              <a:buClrTx/>
-              <a:buSzTx/>
-              <a:buFontTx/>
-              <a:buNone/>
-              <a:tabLst/>
-              <a:defRPr/>
-            </a:pPr>
-            <a:endParaRPr kumimoji="0" lang="en-US" altLang="ko-KR" sz="1050" b="0" i="0" u="none" strike="noStrike" kern="1200" cap="none" spc="0" normalizeH="0" baseline="0" noProof="0" dirty="0">
-              <a:ln>
-                <a:noFill/>
-              </a:ln>
-              <a:solidFill>
-                <a:prstClr val="white"/>
-              </a:solidFill>
-              <a:effectLst/>
-              <a:uLnTx/>
-              <a:uFillTx/>
-              <a:latin typeface="Noto Sans CJK KR Medium" panose="020B0600000000000000" pitchFamily="34" charset="-127"/>
-              <a:ea typeface="Noto Sans CJK KR Medium" panose="020B0600000000000000" pitchFamily="34" charset="-127"/>
-              <a:cs typeface="+mn-cs"/>
-            </a:endParaRPr>
-          </a:p>
-        </p:txBody>
-      </p:sp>
-      <p:pic>
-        <p:nvPicPr>
-          <p:cNvPr id="6" name="그림 5">
-            <a:extLst>
-              <a:ext uri="{FF2B5EF4-FFF2-40B4-BE49-F238E27FC236}">
-                <a16:creationId xmlns:a16="http://schemas.microsoft.com/office/drawing/2014/main" id="{DB5EDEC6-8B0A-462F-8B63-AB96D03FE054}"/>
-              </a:ext>
-            </a:extLst>
-          </p:cNvPr>
-          <p:cNvPicPr>
-            <a:picLocks noChangeAspect="1"/>
-          </p:cNvPicPr>
-          <p:nvPr/>
-        </p:nvPicPr>
-        <p:blipFill>
-          <a:blip r:embed="rId3">
-            <a:extLst>
-              <a:ext uri="{28A0092B-C50C-407E-A947-70E740481C1C}">
-                <a14:useLocalDpi xmlns:a14="http://schemas.microsoft.com/office/drawing/2010/main" val="0"/>
-              </a:ext>
-            </a:extLst>
-          </a:blip>
-          <a:stretch>
-            <a:fillRect/>
-          </a:stretch>
-        </p:blipFill>
-        <p:spPr>
-          <a:xfrm>
-            <a:off x="4604447" y="36115"/>
-            <a:ext cx="7555803" cy="6840538"/>
-          </a:xfrm>
-          <a:prstGeom prst="rect">
-            <a:avLst/>
-          </a:prstGeom>
-        </p:spPr>
-      </p:pic>
-      <p:sp>
-        <p:nvSpPr>
-          <p:cNvPr id="2" name="TextBox 1">
-            <a:extLst>
-              <a:ext uri="{FF2B5EF4-FFF2-40B4-BE49-F238E27FC236}">
-                <a16:creationId xmlns:a16="http://schemas.microsoft.com/office/drawing/2014/main" id="{8060EEAE-53E1-49A6-9042-250FCF40B0FE}"/>
-              </a:ext>
-            </a:extLst>
-          </p:cNvPr>
-          <p:cNvSpPr txBox="1"/>
-          <p:nvPr/>
-        </p:nvSpPr>
-        <p:spPr>
-          <a:xfrm>
-            <a:off x="8312373" y="1707173"/>
-            <a:ext cx="3685698" cy="1785104"/>
-          </a:xfrm>
-          <a:prstGeom prst="rect">
-            <a:avLst/>
-          </a:prstGeom>
-          <a:noFill/>
-          <a:ln w="38100">
-            <a:solidFill>
-              <a:srgbClr val="FF0000"/>
-            </a:solidFill>
-          </a:ln>
-        </p:spPr>
-        <p:txBody>
-          <a:bodyPr wrap="square" rtlCol="0">
-            <a:spAutoFit/>
-          </a:bodyPr>
-          <a:lstStyle/>
-          <a:p>
-            <a:pPr marL="0" marR="0" lvl="0" indent="0" algn="l" defTabSz="1107796" rtl="0" eaLnBrk="1" fontAlgn="auto" latinLnBrk="1" hangingPunct="1">
-              <a:lnSpc>
-                <a:spcPct val="100000"/>
-              </a:lnSpc>
-              <a:spcBef>
-                <a:spcPts val="0"/>
-              </a:spcBef>
-              <a:spcAft>
-                <a:spcPts val="0"/>
-              </a:spcAft>
-              <a:buClrTx/>
-              <a:buSzTx/>
-              <a:buFontTx/>
-              <a:buNone/>
-              <a:tabLst/>
-              <a:defRPr/>
-            </a:pPr>
-            <a:endParaRPr kumimoji="0" lang="en-US" altLang="ko-KR" sz="2200" b="0" i="0" u="none" strike="noStrike" kern="1200" cap="none" spc="0" normalizeH="0" baseline="0" noProof="0" dirty="0">
-              <a:ln>
-                <a:noFill/>
-              </a:ln>
-              <a:solidFill>
-                <a:prstClr val="black"/>
-              </a:solidFill>
-              <a:effectLst/>
-              <a:uLnTx/>
-              <a:uFillTx/>
-              <a:latin typeface="맑은 고딕"/>
-              <a:ea typeface="맑은 고딕" panose="020B0503020000020004" pitchFamily="50" charset="-127"/>
-              <a:cs typeface="+mn-cs"/>
-            </a:endParaRPr>
-          </a:p>
-          <a:p>
-            <a:pPr marL="0" marR="0" lvl="0" indent="0" algn="l" defTabSz="1107796" rtl="0" eaLnBrk="1" fontAlgn="auto" latinLnBrk="1" hangingPunct="1">
-              <a:lnSpc>
-                <a:spcPct val="100000"/>
-              </a:lnSpc>
-              <a:spcBef>
-                <a:spcPts val="0"/>
-              </a:spcBef>
-              <a:spcAft>
-                <a:spcPts val="0"/>
-              </a:spcAft>
-              <a:buClrTx/>
-              <a:buSzTx/>
-              <a:buFontTx/>
-              <a:buNone/>
-              <a:tabLst/>
-              <a:defRPr/>
-            </a:pPr>
-            <a:endParaRPr lang="en-US" altLang="ko-KR" dirty="0">
-              <a:solidFill>
-                <a:prstClr val="black"/>
-              </a:solidFill>
-              <a:latin typeface="맑은 고딕"/>
-              <a:ea typeface="맑은 고딕" panose="020B0503020000020004" pitchFamily="50" charset="-127"/>
-            </a:endParaRPr>
-          </a:p>
-          <a:p>
-            <a:pPr marL="0" marR="0" lvl="0" indent="0" algn="l" defTabSz="1107796" rtl="0" eaLnBrk="1" fontAlgn="auto" latinLnBrk="1" hangingPunct="1">
-              <a:lnSpc>
-                <a:spcPct val="100000"/>
-              </a:lnSpc>
-              <a:spcBef>
-                <a:spcPts val="0"/>
-              </a:spcBef>
-              <a:spcAft>
-                <a:spcPts val="0"/>
-              </a:spcAft>
-              <a:buClrTx/>
-              <a:buSzTx/>
-              <a:buFontTx/>
-              <a:buNone/>
-              <a:tabLst/>
-              <a:defRPr/>
-            </a:pPr>
-            <a:endParaRPr lang="en-US" altLang="ko-KR" dirty="0">
-              <a:solidFill>
-                <a:prstClr val="black"/>
-              </a:solidFill>
-              <a:latin typeface="맑은 고딕"/>
-              <a:ea typeface="맑은 고딕" panose="020B0503020000020004" pitchFamily="50" charset="-127"/>
-            </a:endParaRPr>
-          </a:p>
-          <a:p>
-            <a:pPr marL="0" marR="0" lvl="0" indent="0" algn="l" defTabSz="1107796" rtl="0" eaLnBrk="1" fontAlgn="auto" latinLnBrk="1" hangingPunct="1">
-              <a:lnSpc>
-                <a:spcPct val="100000"/>
-              </a:lnSpc>
-              <a:spcBef>
-                <a:spcPts val="0"/>
-              </a:spcBef>
-              <a:spcAft>
-                <a:spcPts val="0"/>
-              </a:spcAft>
-              <a:buClrTx/>
-              <a:buSzTx/>
-              <a:buFontTx/>
-              <a:buNone/>
-              <a:tabLst/>
-              <a:defRPr/>
-            </a:pPr>
-            <a:endParaRPr lang="en-US" altLang="ko-KR" dirty="0">
-              <a:solidFill>
-                <a:prstClr val="black"/>
-              </a:solidFill>
-              <a:latin typeface="맑은 고딕"/>
-              <a:ea typeface="맑은 고딕" panose="020B0503020000020004" pitchFamily="50" charset="-127"/>
-            </a:endParaRPr>
-          </a:p>
-          <a:p>
-            <a:pPr marL="0" marR="0" lvl="0" indent="0" algn="l" defTabSz="1107796" rtl="0" eaLnBrk="1" fontAlgn="auto" latinLnBrk="1" hangingPunct="1">
-              <a:lnSpc>
-                <a:spcPct val="100000"/>
-              </a:lnSpc>
-              <a:spcBef>
-                <a:spcPts val="0"/>
-              </a:spcBef>
-              <a:spcAft>
-                <a:spcPts val="0"/>
-              </a:spcAft>
-              <a:buClrTx/>
-              <a:buSzTx/>
-              <a:buFontTx/>
-              <a:buNone/>
-              <a:tabLst/>
-              <a:defRPr/>
-            </a:pPr>
-            <a:endParaRPr kumimoji="0" lang="ko-KR" altLang="en-US" sz="2200" b="0" i="0" u="none" strike="noStrike" kern="1200" cap="none" spc="0" normalizeH="0" baseline="0" noProof="0" dirty="0">
-              <a:ln>
-                <a:noFill/>
-              </a:ln>
-              <a:solidFill>
-                <a:prstClr val="black"/>
-              </a:solidFill>
-              <a:effectLst/>
-              <a:uLnTx/>
-              <a:uFillTx/>
-              <a:latin typeface="맑은 고딕"/>
-              <a:ea typeface="맑은 고딕" panose="020B0503020000020004" pitchFamily="50" charset="-127"/>
-              <a:cs typeface="+mn-cs"/>
-            </a:endParaRPr>
-          </a:p>
-        </p:txBody>
-      </p:sp>
-    </p:spTree>
-    <p:extLst>
-      <p:ext uri="{BB962C8B-B14F-4D97-AF65-F5344CB8AC3E}">
-        <p14:creationId xmlns:p14="http://schemas.microsoft.com/office/powerpoint/2010/main" val="3071079874"/>
-      </p:ext>
-    </p:extLst>
-  </p:cSld>
-  <p:clrMapOvr>
-    <a:masterClrMapping/>
-  </p:clrMapOvr>
-</p:sld>
-</file>
-
-<file path=ppt/slides/slide20.xml><?xml version="1.0" encoding="utf-8"?>
+<file path=ppt/slides/slide22.xml><?xml version="1.0" encoding="utf-8"?>
 <p:sld xmlns:a="http://schemas.openxmlformats.org/drawingml/2006/main" xmlns:r="http://schemas.openxmlformats.org/officeDocument/2006/relationships" xmlns:p="http://schemas.openxmlformats.org/presentationml/2006/main">
   <p:cSld>
     <p:spTree>
@@ -6753,7 +7275,7 @@
             <a:fld id="{6DDAE2C3-1A0B-474A-8CE8-AE55B8D9D4B1}" type="slidenum">
               <a:rPr lang="ko-KR" altLang="en-US" smtClean="0"/>
               <a:pPr/>
-              <a:t>20</a:t>
+              <a:t>22</a:t>
             </a:fld>
             <a:endParaRPr lang="ko-KR" altLang="en-US" dirty="0"/>
           </a:p>
@@ -6802,7 +7324,7 @@
 </p:sld>
 </file>
 
-<file path=ppt/slides/slide21.xml><?xml version="1.0" encoding="utf-8"?>
+<file path=ppt/slides/slide23.xml><?xml version="1.0" encoding="utf-8"?>
 <p:sld xmlns:a="http://schemas.openxmlformats.org/drawingml/2006/main" xmlns:r="http://schemas.openxmlformats.org/officeDocument/2006/relationships" xmlns:p="http://schemas.openxmlformats.org/presentationml/2006/main">
   <p:cSld>
     <p:spTree>
@@ -6923,7 +7445,7 @@
             <a:fld id="{6DDAE2C3-1A0B-474A-8CE8-AE55B8D9D4B1}" type="slidenum">
               <a:rPr lang="ko-KR" altLang="en-US" smtClean="0"/>
               <a:pPr/>
-              <a:t>21</a:t>
+              <a:t>23</a:t>
             </a:fld>
             <a:endParaRPr lang="ko-KR" altLang="en-US" dirty="0"/>
           </a:p>
@@ -6972,7 +7494,7 @@
 </p:sld>
 </file>
 
-<file path=ppt/slides/slide22.xml><?xml version="1.0" encoding="utf-8"?>
+<file path=ppt/slides/slide24.xml><?xml version="1.0" encoding="utf-8"?>
 <p:sld xmlns:a="http://schemas.openxmlformats.org/drawingml/2006/main" xmlns:r="http://schemas.openxmlformats.org/officeDocument/2006/relationships" xmlns:p="http://schemas.openxmlformats.org/presentationml/2006/main">
   <p:cSld>
     <p:spTree>
@@ -7093,7 +7615,7 @@
             <a:fld id="{6DDAE2C3-1A0B-474A-8CE8-AE55B8D9D4B1}" type="slidenum">
               <a:rPr lang="ko-KR" altLang="en-US" smtClean="0"/>
               <a:pPr/>
-              <a:t>22</a:t>
+              <a:t>24</a:t>
             </a:fld>
             <a:endParaRPr lang="ko-KR" altLang="en-US" dirty="0"/>
           </a:p>
@@ -7142,7 +7664,7 @@
 </p:sld>
 </file>
 
-<file path=ppt/slides/slide23.xml><?xml version="1.0" encoding="utf-8"?>
+<file path=ppt/slides/slide25.xml><?xml version="1.0" encoding="utf-8"?>
 <p:sld xmlns:a="http://schemas.openxmlformats.org/drawingml/2006/main" xmlns:r="http://schemas.openxmlformats.org/officeDocument/2006/relationships" xmlns:p="http://schemas.openxmlformats.org/presentationml/2006/main">
   <p:cSld>
     <p:spTree>
@@ -7263,7 +7785,7 @@
             <a:fld id="{6DDAE2C3-1A0B-474A-8CE8-AE55B8D9D4B1}" type="slidenum">
               <a:rPr lang="ko-KR" altLang="en-US" smtClean="0"/>
               <a:pPr/>
-              <a:t>23</a:t>
+              <a:t>25</a:t>
             </a:fld>
             <a:endParaRPr lang="ko-KR" altLang="en-US" dirty="0"/>
           </a:p>
@@ -7312,7 +7834,7 @@
 </p:sld>
 </file>
 
-<file path=ppt/slides/slide24.xml><?xml version="1.0" encoding="utf-8"?>
+<file path=ppt/slides/slide26.xml><?xml version="1.0" encoding="utf-8"?>
 <p:sld xmlns:a="http://schemas.openxmlformats.org/drawingml/2006/main" xmlns:r="http://schemas.openxmlformats.org/officeDocument/2006/relationships" xmlns:p="http://schemas.openxmlformats.org/presentationml/2006/main">
   <p:cSld>
     <p:spTree>
@@ -7445,7 +7967,7 @@
             <a:fld id="{6DDAE2C3-1A0B-474A-8CE8-AE55B8D9D4B1}" type="slidenum">
               <a:rPr lang="ko-KR" altLang="en-US" smtClean="0"/>
               <a:pPr/>
-              <a:t>24</a:t>
+              <a:t>26</a:t>
             </a:fld>
             <a:endParaRPr lang="ko-KR" altLang="en-US" dirty="0"/>
           </a:p>
@@ -7494,7 +8016,7 @@
 </p:sld>
 </file>
 
-<file path=ppt/slides/slide25.xml><?xml version="1.0" encoding="utf-8"?>
+<file path=ppt/slides/slide27.xml><?xml version="1.0" encoding="utf-8"?>
 <p:sld xmlns:a="http://schemas.openxmlformats.org/drawingml/2006/main" xmlns:r="http://schemas.openxmlformats.org/officeDocument/2006/relationships" xmlns:p="http://schemas.openxmlformats.org/presentationml/2006/main">
   <p:cSld>
     <p:spTree>
@@ -7615,7 +8137,7 @@
             <a:fld id="{6DDAE2C3-1A0B-474A-8CE8-AE55B8D9D4B1}" type="slidenum">
               <a:rPr lang="ko-KR" altLang="en-US" smtClean="0"/>
               <a:pPr/>
-              <a:t>25</a:t>
+              <a:t>27</a:t>
             </a:fld>
             <a:endParaRPr lang="ko-KR" altLang="en-US" dirty="0"/>
           </a:p>
@@ -7623,10 +8145,10 @@
       </p:sp>
       <p:pic>
         <p:nvPicPr>
-          <p:cNvPr id="4" name="그림 3">
+          <p:cNvPr id="2" name="그림 1">
             <a:extLst>
               <a:ext uri="{FF2B5EF4-FFF2-40B4-BE49-F238E27FC236}">
-                <a16:creationId xmlns:a16="http://schemas.microsoft.com/office/drawing/2014/main" id="{7AC7DE2F-5CDD-41FE-8368-3F062FC2DDA6}"/>
+                <a16:creationId xmlns:a16="http://schemas.microsoft.com/office/drawing/2014/main" id="{DD0B51FD-DAEC-4BDF-8EB8-BE7E2B1C8898}"/>
               </a:ext>
             </a:extLst>
           </p:cNvPr>
@@ -7643,8 +8165,8 @@
         </p:blipFill>
         <p:spPr>
           <a:xfrm>
-            <a:off x="2303461" y="1916531"/>
-            <a:ext cx="7553325" cy="4219575"/>
+            <a:off x="1841499" y="1795264"/>
+            <a:ext cx="8477250" cy="4505325"/>
           </a:xfrm>
           <a:prstGeom prst="rect">
             <a:avLst/>
@@ -7664,7 +8186,7 @@
 </p:sld>
 </file>
 
-<file path=ppt/slides/slide26.xml><?xml version="1.0" encoding="utf-8"?>
+<file path=ppt/slides/slide28.xml><?xml version="1.0" encoding="utf-8"?>
 <p:sld xmlns:a="http://schemas.openxmlformats.org/drawingml/2006/main" xmlns:r="http://schemas.openxmlformats.org/officeDocument/2006/relationships" xmlns:p="http://schemas.openxmlformats.org/presentationml/2006/main">
   <p:cSld>
     <p:spTree>
@@ -7785,7 +8307,7 @@
             <a:fld id="{6DDAE2C3-1A0B-474A-8CE8-AE55B8D9D4B1}" type="slidenum">
               <a:rPr lang="ko-KR" altLang="en-US" smtClean="0"/>
               <a:pPr/>
-              <a:t>26</a:t>
+              <a:t>28</a:t>
             </a:fld>
             <a:endParaRPr lang="ko-KR" altLang="en-US" dirty="0"/>
           </a:p>
@@ -7834,7 +8356,7 @@
 </p:sld>
 </file>
 
-<file path=ppt/slides/slide27.xml><?xml version="1.0" encoding="utf-8"?>
+<file path=ppt/slides/slide29.xml><?xml version="1.0" encoding="utf-8"?>
 <p:sld xmlns:a="http://schemas.openxmlformats.org/drawingml/2006/main" xmlns:r="http://schemas.openxmlformats.org/officeDocument/2006/relationships" xmlns:p="http://schemas.openxmlformats.org/presentationml/2006/main">
   <p:cSld>
     <p:spTree>
@@ -7955,7 +8477,7 @@
             <a:fld id="{6DDAE2C3-1A0B-474A-8CE8-AE55B8D9D4B1}" type="slidenum">
               <a:rPr lang="ko-KR" altLang="en-US" smtClean="0"/>
               <a:pPr/>
-              <a:t>27</a:t>
+              <a:t>29</a:t>
             </a:fld>
             <a:endParaRPr lang="ko-KR" altLang="en-US" dirty="0"/>
           </a:p>
@@ -8004,7 +8526,7 @@
 </p:sld>
 </file>
 
-<file path=ppt/slides/slide28.xml><?xml version="1.0" encoding="utf-8"?>
+<file path=ppt/slides/slide3.xml><?xml version="1.0" encoding="utf-8"?>
 <p:sld xmlns:a="http://schemas.openxmlformats.org/drawingml/2006/main" xmlns:r="http://schemas.openxmlformats.org/officeDocument/2006/relationships" xmlns:p="http://schemas.openxmlformats.org/presentationml/2006/main">
   <p:cSld>
     <p:spTree>
@@ -8023,6 +8545,90 @@
       </p:grpSpPr>
       <p:sp>
         <p:nvSpPr>
+          <p:cNvPr id="15" name="슬라이드 번호 개체 틀 14"/>
+          <p:cNvSpPr>
+            <a:spLocks noGrp="1"/>
+          </p:cNvSpPr>
+          <p:nvPr>
+            <p:ph type="sldNum" sz="quarter" idx="12"/>
+          </p:nvPr>
+        </p:nvSpPr>
+        <p:spPr/>
+        <p:txBody>
+          <a:bodyPr/>
+          <a:lstStyle/>
+          <a:p>
+            <a:fld id="{6DDAE2C3-1A0B-474A-8CE8-AE55B8D9D4B1}" type="slidenum">
+              <a:rPr lang="ko-KR" altLang="en-US" smtClean="0"/>
+              <a:pPr/>
+              <a:t>3</a:t>
+            </a:fld>
+            <a:endParaRPr lang="ko-KR" altLang="en-US" dirty="0"/>
+          </a:p>
+        </p:txBody>
+      </p:sp>
+      <p:pic>
+        <p:nvPicPr>
+          <p:cNvPr id="3" name="그림 2">
+            <a:extLst>
+              <a:ext uri="{FF2B5EF4-FFF2-40B4-BE49-F238E27FC236}">
+                <a16:creationId xmlns:a16="http://schemas.microsoft.com/office/drawing/2014/main" id="{2C63870F-F20E-490C-B297-80899B1091D4}"/>
+              </a:ext>
+            </a:extLst>
+          </p:cNvPr>
+          <p:cNvPicPr>
+            <a:picLocks noChangeAspect="1"/>
+          </p:cNvPicPr>
+          <p:nvPr/>
+        </p:nvPicPr>
+        <p:blipFill>
+          <a:blip r:embed="rId2"/>
+          <a:stretch>
+            <a:fillRect/>
+          </a:stretch>
+        </p:blipFill>
+        <p:spPr>
+          <a:xfrm>
+            <a:off x="3436937" y="381794"/>
+            <a:ext cx="5286375" cy="6076950"/>
+          </a:xfrm>
+          <a:prstGeom prst="rect">
+            <a:avLst/>
+          </a:prstGeom>
+        </p:spPr>
+      </p:pic>
+    </p:spTree>
+    <p:extLst>
+      <p:ext uri="{BB962C8B-B14F-4D97-AF65-F5344CB8AC3E}">
+        <p14:creationId xmlns:p14="http://schemas.microsoft.com/office/powerpoint/2010/main" val="4147066373"/>
+      </p:ext>
+    </p:extLst>
+  </p:cSld>
+  <p:clrMapOvr>
+    <a:masterClrMapping/>
+  </p:clrMapOvr>
+</p:sld>
+</file>
+
+<file path=ppt/slides/slide30.xml><?xml version="1.0" encoding="utf-8"?>
+<p:sld xmlns:a="http://schemas.openxmlformats.org/drawingml/2006/main" xmlns:r="http://schemas.openxmlformats.org/officeDocument/2006/relationships" xmlns:p="http://schemas.openxmlformats.org/presentationml/2006/main">
+  <p:cSld>
+    <p:spTree>
+      <p:nvGrpSpPr>
+        <p:cNvPr id="1" name=""/>
+        <p:cNvGrpSpPr/>
+        <p:nvPr/>
+      </p:nvGrpSpPr>
+      <p:grpSpPr>
+        <a:xfrm>
+          <a:off x="0" y="0"/>
+          <a:ext cx="0" cy="0"/>
+          <a:chOff x="0" y="0"/>
+          <a:chExt cx="0" cy="0"/>
+        </a:xfrm>
+      </p:grpSpPr>
+      <p:sp>
+        <p:nvSpPr>
           <p:cNvPr id="5" name="제목 4"/>
           <p:cNvSpPr>
             <a:spLocks noGrp="1"/>
@@ -8137,7 +8743,7 @@
             <a:fld id="{6DDAE2C3-1A0B-474A-8CE8-AE55B8D9D4B1}" type="slidenum">
               <a:rPr lang="ko-KR" altLang="en-US" smtClean="0"/>
               <a:pPr/>
-              <a:t>28</a:t>
+              <a:t>30</a:t>
             </a:fld>
             <a:endParaRPr lang="ko-KR" altLang="en-US" dirty="0"/>
           </a:p>
@@ -8186,7 +8792,7 @@
 </p:sld>
 </file>
 
-<file path=ppt/slides/slide29.xml><?xml version="1.0" encoding="utf-8"?>
+<file path=ppt/slides/slide31.xml><?xml version="1.0" encoding="utf-8"?>
 <p:sld xmlns:a="http://schemas.openxmlformats.org/drawingml/2006/main" xmlns:r="http://schemas.openxmlformats.org/officeDocument/2006/relationships" xmlns:p="http://schemas.openxmlformats.org/presentationml/2006/main">
   <p:cSld>
     <p:spTree>
@@ -8344,7 +8950,7 @@
             <a:fld id="{6DDAE2C3-1A0B-474A-8CE8-AE55B8D9D4B1}" type="slidenum">
               <a:rPr lang="ko-KR" altLang="en-US" smtClean="0"/>
               <a:pPr/>
-              <a:t>29</a:t>
+              <a:t>31</a:t>
             </a:fld>
             <a:endParaRPr lang="ko-KR" altLang="en-US" dirty="0"/>
           </a:p>
@@ -8393,7 +8999,7 @@
 </p:sld>
 </file>
 
-<file path=ppt/slides/slide3.xml><?xml version="1.0" encoding="utf-8"?>
+<file path=ppt/slides/slide32.xml><?xml version="1.0" encoding="utf-8"?>
 <p:sld xmlns:a="http://schemas.openxmlformats.org/drawingml/2006/main" xmlns:r="http://schemas.openxmlformats.org/officeDocument/2006/relationships" xmlns:p="http://schemas.openxmlformats.org/presentationml/2006/main">
   <p:cSld>
     <p:spTree>
@@ -8412,90 +9018,6 @@
       </p:grpSpPr>
       <p:sp>
         <p:nvSpPr>
-          <p:cNvPr id="15" name="슬라이드 번호 개체 틀 14"/>
-          <p:cNvSpPr>
-            <a:spLocks noGrp="1"/>
-          </p:cNvSpPr>
-          <p:nvPr>
-            <p:ph type="sldNum" sz="quarter" idx="12"/>
-          </p:nvPr>
-        </p:nvSpPr>
-        <p:spPr/>
-        <p:txBody>
-          <a:bodyPr/>
-          <a:lstStyle/>
-          <a:p>
-            <a:fld id="{6DDAE2C3-1A0B-474A-8CE8-AE55B8D9D4B1}" type="slidenum">
-              <a:rPr lang="ko-KR" altLang="en-US" smtClean="0"/>
-              <a:pPr/>
-              <a:t>3</a:t>
-            </a:fld>
-            <a:endParaRPr lang="ko-KR" altLang="en-US" dirty="0"/>
-          </a:p>
-        </p:txBody>
-      </p:sp>
-      <p:pic>
-        <p:nvPicPr>
-          <p:cNvPr id="2" name="그림 1">
-            <a:extLst>
-              <a:ext uri="{FF2B5EF4-FFF2-40B4-BE49-F238E27FC236}">
-                <a16:creationId xmlns:a16="http://schemas.microsoft.com/office/drawing/2014/main" id="{7BA68BE0-89B6-40F9-B64F-3C8DCF28E38A}"/>
-              </a:ext>
-            </a:extLst>
-          </p:cNvPr>
-          <p:cNvPicPr>
-            <a:picLocks noChangeAspect="1"/>
-          </p:cNvPicPr>
-          <p:nvPr/>
-        </p:nvPicPr>
-        <p:blipFill>
-          <a:blip r:embed="rId2"/>
-          <a:stretch>
-            <a:fillRect/>
-          </a:stretch>
-        </p:blipFill>
-        <p:spPr>
-          <a:xfrm>
-            <a:off x="2984289" y="1454023"/>
-            <a:ext cx="6191671" cy="4369842"/>
-          </a:xfrm>
-          <a:prstGeom prst="rect">
-            <a:avLst/>
-          </a:prstGeom>
-        </p:spPr>
-      </p:pic>
-    </p:spTree>
-    <p:extLst>
-      <p:ext uri="{BB962C8B-B14F-4D97-AF65-F5344CB8AC3E}">
-        <p14:creationId xmlns:p14="http://schemas.microsoft.com/office/powerpoint/2010/main" val="4147066373"/>
-      </p:ext>
-    </p:extLst>
-  </p:cSld>
-  <p:clrMapOvr>
-    <a:masterClrMapping/>
-  </p:clrMapOvr>
-</p:sld>
-</file>
-
-<file path=ppt/slides/slide30.xml><?xml version="1.0" encoding="utf-8"?>
-<p:sld xmlns:a="http://schemas.openxmlformats.org/drawingml/2006/main" xmlns:r="http://schemas.openxmlformats.org/officeDocument/2006/relationships" xmlns:p="http://schemas.openxmlformats.org/presentationml/2006/main">
-  <p:cSld>
-    <p:spTree>
-      <p:nvGrpSpPr>
-        <p:cNvPr id="1" name=""/>
-        <p:cNvGrpSpPr/>
-        <p:nvPr/>
-      </p:nvGrpSpPr>
-      <p:grpSpPr>
-        <a:xfrm>
-          <a:off x="0" y="0"/>
-          <a:ext cx="0" cy="0"/>
-          <a:chOff x="0" y="0"/>
-          <a:chExt cx="0" cy="0"/>
-        </a:xfrm>
-      </p:grpSpPr>
-      <p:sp>
-        <p:nvSpPr>
           <p:cNvPr id="5" name="제목 4"/>
           <p:cNvSpPr>
             <a:spLocks noGrp="1"/>
@@ -8598,7 +9120,7 @@
             <a:fld id="{6DDAE2C3-1A0B-474A-8CE8-AE55B8D9D4B1}" type="slidenum">
               <a:rPr lang="ko-KR" altLang="en-US" smtClean="0"/>
               <a:pPr/>
-              <a:t>30</a:t>
+              <a:t>32</a:t>
             </a:fld>
             <a:endParaRPr lang="ko-KR" altLang="en-US" dirty="0"/>
           </a:p>
@@ -8647,7 +9169,7 @@
 </p:sld>
 </file>
 
-<file path=ppt/slides/slide31.xml><?xml version="1.0" encoding="utf-8"?>
+<file path=ppt/slides/slide33.xml><?xml version="1.0" encoding="utf-8"?>
 <p:sld xmlns:a="http://schemas.openxmlformats.org/drawingml/2006/main" xmlns:r="http://schemas.openxmlformats.org/officeDocument/2006/relationships" xmlns:p="http://schemas.openxmlformats.org/presentationml/2006/main">
   <p:cSld>
     <p:spTree>
@@ -8953,107 +9475,6 @@
               </a:rPr>
               <a:t>.</a:t>
             </a:r>
-            <a:br>
-              <a:rPr lang="en-US" altLang="ko-KR" sz="2400" dirty="0">
-                <a:solidFill>
-                  <a:schemeClr val="tx1">
-                    <a:lumMod val="75000"/>
-                    <a:lumOff val="25000"/>
-                  </a:schemeClr>
-                </a:solidFill>
-                <a:latin typeface="Noto Sans CJK KR Black" pitchFamily="34" charset="-127"/>
-                <a:ea typeface="Noto Sans CJK KR Black" pitchFamily="34" charset="-127"/>
-              </a:rPr>
-            </a:br>
-            <a:br>
-              <a:rPr lang="en-US" altLang="ko-KR" sz="2400" dirty="0">
-                <a:solidFill>
-                  <a:schemeClr val="tx1">
-                    <a:lumMod val="75000"/>
-                    <a:lumOff val="25000"/>
-                  </a:schemeClr>
-                </a:solidFill>
-                <a:latin typeface="Noto Sans CJK KR Black" pitchFamily="34" charset="-127"/>
-                <a:ea typeface="Noto Sans CJK KR Black" pitchFamily="34" charset="-127"/>
-              </a:rPr>
-            </a:br>
-            <a:br>
-              <a:rPr lang="en-US" altLang="ko-KR" sz="2400" dirty="0">
-                <a:solidFill>
-                  <a:schemeClr val="tx1">
-                    <a:lumMod val="75000"/>
-                    <a:lumOff val="25000"/>
-                  </a:schemeClr>
-                </a:solidFill>
-                <a:latin typeface="Noto Sans CJK KR Black" pitchFamily="34" charset="-127"/>
-                <a:ea typeface="Noto Sans CJK KR Black" pitchFamily="34" charset="-127"/>
-              </a:rPr>
-            </a:br>
-            <a:r>
-              <a:rPr lang="en-US" altLang="ko-KR" sz="2400" dirty="0">
-                <a:solidFill>
-                  <a:schemeClr val="tx1">
-                    <a:lumMod val="75000"/>
-                    <a:lumOff val="25000"/>
-                  </a:schemeClr>
-                </a:solidFill>
-                <a:latin typeface="Noto Sans CJK KR Black" pitchFamily="34" charset="-127"/>
-                <a:ea typeface="Noto Sans CJK KR Black" pitchFamily="34" charset="-127"/>
-              </a:rPr>
-              <a:t>4. F</a:t>
-            </a:r>
-            <a:r>
-              <a:rPr lang="ko-KR" altLang="en-US" sz="2400" dirty="0">
-                <a:solidFill>
-                  <a:schemeClr val="tx1">
-                    <a:lumMod val="75000"/>
-                    <a:lumOff val="25000"/>
-                  </a:schemeClr>
-                </a:solidFill>
-                <a:latin typeface="Noto Sans CJK KR Black" pitchFamily="34" charset="-127"/>
-                <a:ea typeface="Noto Sans CJK KR Black" pitchFamily="34" charset="-127"/>
-              </a:rPr>
-              <a:t>검정의 </a:t>
-            </a:r>
-            <a:r>
-              <a:rPr lang="ko-KR" altLang="en-US" sz="2400" dirty="0" err="1">
-                <a:solidFill>
-                  <a:schemeClr val="tx1">
-                    <a:lumMod val="75000"/>
-                    <a:lumOff val="25000"/>
-                  </a:schemeClr>
-                </a:solidFill>
-                <a:latin typeface="Noto Sans CJK KR Black" pitchFamily="34" charset="-127"/>
-                <a:ea typeface="Noto Sans CJK KR Black" pitchFamily="34" charset="-127"/>
-              </a:rPr>
-              <a:t>귀무가설과</a:t>
-            </a:r>
-            <a:r>
-              <a:rPr lang="ko-KR" altLang="en-US" sz="2400" dirty="0">
-                <a:solidFill>
-                  <a:schemeClr val="tx1">
-                    <a:lumMod val="75000"/>
-                    <a:lumOff val="25000"/>
-                  </a:schemeClr>
-                </a:solidFill>
-                <a:latin typeface="Noto Sans CJK KR Black" pitchFamily="34" charset="-127"/>
-                <a:ea typeface="Noto Sans CJK KR Black" pitchFamily="34" charset="-127"/>
-              </a:rPr>
-              <a:t> 대립가설을 설명하라</a:t>
-            </a:r>
-            <a:r>
-              <a:rPr lang="en-US" altLang="ko-KR" sz="2400" dirty="0">
-                <a:solidFill>
-                  <a:schemeClr val="tx1">
-                    <a:lumMod val="75000"/>
-                    <a:lumOff val="25000"/>
-                  </a:schemeClr>
-                </a:solidFill>
-                <a:latin typeface="Noto Sans CJK KR Black" pitchFamily="34" charset="-127"/>
-                <a:ea typeface="Noto Sans CJK KR Black" pitchFamily="34" charset="-127"/>
-              </a:rPr>
-              <a:t>.</a:t>
-            </a:r>
             <a:endParaRPr lang="ko-KR" altLang="en-US" sz="3200" dirty="0">
               <a:solidFill>
                 <a:schemeClr val="tx1">
@@ -9083,7 +9504,7 @@
             <a:fld id="{6DDAE2C3-1A0B-474A-8CE8-AE55B8D9D4B1}" type="slidenum">
               <a:rPr lang="ko-KR" altLang="en-US" smtClean="0"/>
               <a:pPr/>
-              <a:t>31</a:t>
+              <a:t>33</a:t>
             </a:fld>
             <a:endParaRPr lang="ko-KR" altLang="en-US" dirty="0"/>
           </a:p>
@@ -9102,7 +9523,7 @@
 </p:sld>
 </file>
 
-<file path=ppt/slides/slide32.xml><?xml version="1.0" encoding="utf-8"?>
+<file path=ppt/slides/slide34.xml><?xml version="1.0" encoding="utf-8"?>
 <p:sld xmlns:a="http://schemas.openxmlformats.org/drawingml/2006/main" xmlns:r="http://schemas.openxmlformats.org/officeDocument/2006/relationships" xmlns:p="http://schemas.openxmlformats.org/presentationml/2006/main">
   <p:cSld>
     <p:spTree>
